--- a/presentations/2017 CUNY/RSAPoster.pptx
+++ b/presentations/2017 CUNY/RSAPoster.pptx
@@ -1014,6 +1014,13 @@
         </dgm:presLayoutVars>
       </dgm:prSet>
       <dgm:spPr/>
+      <dgm:t>
+        <a:bodyPr/>
+        <a:lstStyle/>
+        <a:p>
+          <a:endParaRPr lang="en-US"/>
+        </a:p>
+      </dgm:t>
     </dgm:pt>
     <dgm:pt modelId="{E4CCFA41-F774-A94E-A04B-50D8C7DE50ED}" type="pres">
       <dgm:prSet presAssocID="{1789D647-2489-4848-9A26-235FB3D1F445}" presName="Accent1" presStyleCnt="0"/>
@@ -1043,6 +1050,13 @@
         </dgm:presLayoutVars>
       </dgm:prSet>
       <dgm:spPr/>
+      <dgm:t>
+        <a:bodyPr/>
+        <a:lstStyle/>
+        <a:p>
+          <a:endParaRPr lang="en-US"/>
+        </a:p>
+      </dgm:t>
     </dgm:pt>
     <dgm:pt modelId="{0B5AB86D-1A4C-2540-A7C7-76622F06963F}" type="pres">
       <dgm:prSet presAssocID="{F8AEA3BC-9BCC-4946-B4B7-6FC44289BCCC}" presName="Accent2" presStyleCnt="0"/>
@@ -1065,6 +1079,13 @@
         </dgm:presLayoutVars>
       </dgm:prSet>
       <dgm:spPr/>
+      <dgm:t>
+        <a:bodyPr/>
+        <a:lstStyle/>
+        <a:p>
+          <a:endParaRPr lang="en-US"/>
+        </a:p>
+      </dgm:t>
     </dgm:pt>
     <dgm:pt modelId="{59311CE0-53E6-D244-963F-31A850CD4922}" type="pres">
       <dgm:prSet presAssocID="{B7669CF0-A41E-1444-851C-485CA7C02540}" presName="Accent3" presStyleCnt="0"/>
@@ -1087,16 +1108,23 @@
         </dgm:presLayoutVars>
       </dgm:prSet>
       <dgm:spPr/>
+      <dgm:t>
+        <a:bodyPr/>
+        <a:lstStyle/>
+        <a:p>
+          <a:endParaRPr lang="en-US"/>
+        </a:p>
+      </dgm:t>
     </dgm:pt>
   </dgm:ptLst>
   <dgm:cxnLst>
-    <dgm:cxn modelId="{92A58827-15F8-7E4B-AE37-21C40438A6ED}" srcId="{EC01D706-F017-FD44-88D8-6905872D61FE}" destId="{1789D647-2489-4848-9A26-235FB3D1F445}" srcOrd="0" destOrd="0" parTransId="{34DCF5B2-51D9-014D-AA80-13430F13CC75}" sibTransId="{72C663D2-9591-BA4D-A349-8D8BC9DDC2FC}"/>
+    <dgm:cxn modelId="{51370CED-5017-0642-B044-D87BC8F37D3F}" type="presOf" srcId="{F8AEA3BC-9BCC-4946-B4B7-6FC44289BCCC}" destId="{D6B48E76-4AAC-CD48-8B71-6E8F654914BB}" srcOrd="0" destOrd="0" presId="urn:microsoft.com/office/officeart/2009/layout/CircleArrowProcess"/>
+    <dgm:cxn modelId="{73215FFA-C57A-C543-AA35-4CE9EEE844E7}" type="presOf" srcId="{1789D647-2489-4848-9A26-235FB3D1F445}" destId="{70886D2B-160E-C44F-B061-82C93659D59B}" srcOrd="0" destOrd="0" presId="urn:microsoft.com/office/officeart/2009/layout/CircleArrowProcess"/>
     <dgm:cxn modelId="{D4B96F52-BD79-F446-AA12-8F796CD6BA96}" srcId="{EC01D706-F017-FD44-88D8-6905872D61FE}" destId="{F8AEA3BC-9BCC-4946-B4B7-6FC44289BCCC}" srcOrd="1" destOrd="0" parTransId="{03D13353-7593-D643-AF0E-CE20F814132B}" sibTransId="{DD10A488-A756-BA4C-B2EB-3B00C4B12F82}"/>
     <dgm:cxn modelId="{BBA421CB-39ED-9A42-9257-255536678001}" type="presOf" srcId="{B7669CF0-A41E-1444-851C-485CA7C02540}" destId="{7F6AADFB-2451-E54A-BF72-CB3083280E92}" srcOrd="0" destOrd="0" presId="urn:microsoft.com/office/officeart/2009/layout/CircleArrowProcess"/>
     <dgm:cxn modelId="{BB4796D1-AB16-B146-81B7-D19385836730}" srcId="{EC01D706-F017-FD44-88D8-6905872D61FE}" destId="{B7669CF0-A41E-1444-851C-485CA7C02540}" srcOrd="2" destOrd="0" parTransId="{FF660795-3A5A-6A49-A9E8-DFDE5D70F409}" sibTransId="{C0D21771-88C4-E442-B3B2-6B04B603237A}"/>
-    <dgm:cxn modelId="{51370CED-5017-0642-B044-D87BC8F37D3F}" type="presOf" srcId="{F8AEA3BC-9BCC-4946-B4B7-6FC44289BCCC}" destId="{D6B48E76-4AAC-CD48-8B71-6E8F654914BB}" srcOrd="0" destOrd="0" presId="urn:microsoft.com/office/officeart/2009/layout/CircleArrowProcess"/>
+    <dgm:cxn modelId="{92A58827-15F8-7E4B-AE37-21C40438A6ED}" srcId="{EC01D706-F017-FD44-88D8-6905872D61FE}" destId="{1789D647-2489-4848-9A26-235FB3D1F445}" srcOrd="0" destOrd="0" parTransId="{34DCF5B2-51D9-014D-AA80-13430F13CC75}" sibTransId="{72C663D2-9591-BA4D-A349-8D8BC9DDC2FC}"/>
     <dgm:cxn modelId="{D9DB7BEF-9CDD-0942-86BE-B8EB966D478C}" type="presOf" srcId="{EC01D706-F017-FD44-88D8-6905872D61FE}" destId="{3B8CBF02-C333-1D4B-9642-84564CD7F192}" srcOrd="0" destOrd="0" presId="urn:microsoft.com/office/officeart/2009/layout/CircleArrowProcess"/>
-    <dgm:cxn modelId="{73215FFA-C57A-C543-AA35-4CE9EEE844E7}" type="presOf" srcId="{1789D647-2489-4848-9A26-235FB3D1F445}" destId="{70886D2B-160E-C44F-B061-82C93659D59B}" srcOrd="0" destOrd="0" presId="urn:microsoft.com/office/officeart/2009/layout/CircleArrowProcess"/>
     <dgm:cxn modelId="{112353DD-162D-BF4F-9E69-FA161EE81244}" type="presParOf" srcId="{3B8CBF02-C333-1D4B-9642-84564CD7F192}" destId="{E4CCFA41-F774-A94E-A04B-50D8C7DE50ED}" srcOrd="0" destOrd="0" presId="urn:microsoft.com/office/officeart/2009/layout/CircleArrowProcess"/>
     <dgm:cxn modelId="{7D13368E-9BA7-4D4B-A5D2-070F9719ED54}" type="presParOf" srcId="{E4CCFA41-F774-A94E-A04B-50D8C7DE50ED}" destId="{794855B9-E1C7-EA44-A3C5-969D1C853DE2}" srcOrd="0" destOrd="0" presId="urn:microsoft.com/office/officeart/2009/layout/CircleArrowProcess"/>
     <dgm:cxn modelId="{7FFC9FF4-3945-E94C-B48D-DD6ACCCBD674}" type="presParOf" srcId="{3B8CBF02-C333-1D4B-9642-84564CD7F192}" destId="{70886D2B-160E-C44F-B061-82C93659D59B}" srcOrd="1" destOrd="0" presId="urn:microsoft.com/office/officeart/2009/layout/CircleArrowProcess"/>
@@ -1212,7 +1240,7 @@
         </a:bodyPr>
         <a:lstStyle/>
         <a:p>
-          <a:pPr marL="0" lvl="0" indent="0" algn="ctr" defTabSz="977900">
+          <a:pPr lvl="0" algn="ctr" defTabSz="977900">
             <a:lnSpc>
               <a:spcPct val="90000"/>
             </a:lnSpc>
@@ -1222,7 +1250,6 @@
             <a:spcAft>
               <a:spcPct val="35000"/>
             </a:spcAft>
-            <a:buNone/>
           </a:pPr>
           <a:r>
             <a:rPr lang="en-US" sz="2200" kern="1200" dirty="0"/>
@@ -1230,7 +1257,7 @@
           </a:r>
         </a:p>
         <a:p>
-          <a:pPr marL="0" lvl="0" indent="0" algn="ctr" defTabSz="977900">
+          <a:pPr lvl="0" algn="ctr" defTabSz="977900">
             <a:lnSpc>
               <a:spcPct val="90000"/>
             </a:lnSpc>
@@ -1240,7 +1267,6 @@
             <a:spcAft>
               <a:spcPct val="35000"/>
             </a:spcAft>
-            <a:buNone/>
           </a:pPr>
           <a:r>
             <a:rPr lang="en-US" sz="2200" kern="1200" dirty="0"/>
@@ -1332,7 +1358,7 @@
         </a:bodyPr>
         <a:lstStyle/>
         <a:p>
-          <a:pPr marL="0" lvl="0" indent="0" algn="ctr" defTabSz="977900">
+          <a:pPr lvl="0" algn="ctr" defTabSz="977900">
             <a:lnSpc>
               <a:spcPct val="90000"/>
             </a:lnSpc>
@@ -1342,7 +1368,6 @@
             <a:spcAft>
               <a:spcPct val="35000"/>
             </a:spcAft>
-            <a:buNone/>
           </a:pPr>
           <a:r>
             <a:rPr lang="en-US" sz="2200" kern="1200" dirty="0"/>
@@ -1432,7 +1457,7 @@
         </a:bodyPr>
         <a:lstStyle/>
         <a:p>
-          <a:pPr marL="0" lvl="0" indent="0" algn="ctr" defTabSz="977900">
+          <a:pPr lvl="0" algn="ctr" defTabSz="977900">
             <a:lnSpc>
               <a:spcPct val="90000"/>
             </a:lnSpc>
@@ -1442,7 +1467,6 @@
             <a:spcAft>
               <a:spcPct val="35000"/>
             </a:spcAft>
-            <a:buNone/>
           </a:pPr>
           <a:r>
             <a:rPr lang="en-US" sz="2200" kern="1200" dirty="0"/>
@@ -4678,7 +4702,7 @@
           <a:p>
             <a:fld id="{69CE500B-FF5B-4B28-95C2-E41CE5CE306B}" type="datetimeFigureOut">
               <a:rPr lang="en-US" smtClean="0"/>
-              <a:t>3/20/2017</a:t>
+              <a:t>3/21/17</a:t>
             </a:fld>
             <a:endParaRPr lang="en-US"/>
           </a:p>
@@ -5180,7 +5204,7 @@
           <a:p>
             <a:fld id="{DE94126C-84A0-4B2B-A8D1-685EF76357B6}" type="datetimeFigureOut">
               <a:rPr lang="en-US" smtClean="0"/>
-              <a:t>3/20/2017</a:t>
+              <a:t>3/21/17</a:t>
             </a:fld>
             <a:endParaRPr lang="en-US"/>
           </a:p>
@@ -5350,7 +5374,7 @@
           <a:p>
             <a:fld id="{DE94126C-84A0-4B2B-A8D1-685EF76357B6}" type="datetimeFigureOut">
               <a:rPr lang="en-US" smtClean="0"/>
-              <a:t>3/20/2017</a:t>
+              <a:t>3/21/17</a:t>
             </a:fld>
             <a:endParaRPr lang="en-US"/>
           </a:p>
@@ -5530,7 +5554,7 @@
           <a:p>
             <a:fld id="{DE94126C-84A0-4B2B-A8D1-685EF76357B6}" type="datetimeFigureOut">
               <a:rPr lang="en-US" smtClean="0"/>
-              <a:t>3/20/2017</a:t>
+              <a:t>3/21/17</a:t>
             </a:fld>
             <a:endParaRPr lang="en-US"/>
           </a:p>
@@ -5700,7 +5724,7 @@
           <a:p>
             <a:fld id="{DE94126C-84A0-4B2B-A8D1-685EF76357B6}" type="datetimeFigureOut">
               <a:rPr lang="en-US" smtClean="0"/>
-              <a:t>3/20/2017</a:t>
+              <a:t>3/21/17</a:t>
             </a:fld>
             <a:endParaRPr lang="en-US"/>
           </a:p>
@@ -5944,7 +5968,7 @@
           <a:p>
             <a:fld id="{DE94126C-84A0-4B2B-A8D1-685EF76357B6}" type="datetimeFigureOut">
               <a:rPr lang="en-US" smtClean="0"/>
-              <a:t>3/20/2017</a:t>
+              <a:t>3/21/17</a:t>
             </a:fld>
             <a:endParaRPr lang="en-US"/>
           </a:p>
@@ -6176,7 +6200,7 @@
           <a:p>
             <a:fld id="{DE94126C-84A0-4B2B-A8D1-685EF76357B6}" type="datetimeFigureOut">
               <a:rPr lang="en-US" smtClean="0"/>
-              <a:t>3/20/2017</a:t>
+              <a:t>3/21/17</a:t>
             </a:fld>
             <a:endParaRPr lang="en-US"/>
           </a:p>
@@ -6543,7 +6567,7 @@
           <a:p>
             <a:fld id="{DE94126C-84A0-4B2B-A8D1-685EF76357B6}" type="datetimeFigureOut">
               <a:rPr lang="en-US" smtClean="0"/>
-              <a:t>3/20/2017</a:t>
+              <a:t>3/21/17</a:t>
             </a:fld>
             <a:endParaRPr lang="en-US"/>
           </a:p>
@@ -6661,7 +6685,7 @@
           <a:p>
             <a:fld id="{DE94126C-84A0-4B2B-A8D1-685EF76357B6}" type="datetimeFigureOut">
               <a:rPr lang="en-US" smtClean="0"/>
-              <a:t>3/20/2017</a:t>
+              <a:t>3/21/17</a:t>
             </a:fld>
             <a:endParaRPr lang="en-US"/>
           </a:p>
@@ -6756,7 +6780,7 @@
           <a:p>
             <a:fld id="{DE94126C-84A0-4B2B-A8D1-685EF76357B6}" type="datetimeFigureOut">
               <a:rPr lang="en-US" smtClean="0"/>
-              <a:t>3/20/2017</a:t>
+              <a:t>3/21/17</a:t>
             </a:fld>
             <a:endParaRPr lang="en-US"/>
           </a:p>
@@ -7033,7 +7057,7 @@
           <a:p>
             <a:fld id="{DE94126C-84A0-4B2B-A8D1-685EF76357B6}" type="datetimeFigureOut">
               <a:rPr lang="en-US" smtClean="0"/>
-              <a:t>3/20/2017</a:t>
+              <a:t>3/21/17</a:t>
             </a:fld>
             <a:endParaRPr lang="en-US"/>
           </a:p>
@@ -7290,7 +7314,7 @@
           <a:p>
             <a:fld id="{DE94126C-84A0-4B2B-A8D1-685EF76357B6}" type="datetimeFigureOut">
               <a:rPr lang="en-US" smtClean="0"/>
-              <a:t>3/20/2017</a:t>
+              <a:t>3/21/17</a:t>
             </a:fld>
             <a:endParaRPr lang="en-US"/>
           </a:p>
@@ -7503,7 +7527,7 @@
           <a:p>
             <a:fld id="{DE94126C-84A0-4B2B-A8D1-685EF76357B6}" type="datetimeFigureOut">
               <a:rPr lang="en-US" smtClean="0"/>
-              <a:t>3/20/2017</a:t>
+              <a:t>3/21/17</a:t>
             </a:fld>
             <a:endParaRPr lang="en-US"/>
           </a:p>
@@ -7930,7 +7954,7 @@
         </p:blipFill>
         <p:spPr>
           <a:xfrm>
-            <a:off x="37393841" y="15028665"/>
+            <a:off x="37393841" y="15093979"/>
             <a:ext cx="5486400" cy="4023360"/>
           </a:xfrm>
           <a:prstGeom prst="rect">
@@ -7960,7 +7984,7 @@
         </p:blipFill>
         <p:spPr>
           <a:xfrm>
-            <a:off x="29255929" y="10634891"/>
+            <a:off x="29255929" y="10569577"/>
             <a:ext cx="14401800" cy="4114800"/>
           </a:xfrm>
           <a:prstGeom prst="rect">
@@ -7976,7 +8000,7 @@
         </p:nvSpPr>
         <p:spPr>
           <a:xfrm>
-            <a:off x="190534" y="28835977"/>
+            <a:off x="190534" y="29064576"/>
             <a:ext cx="14235427" cy="3336512"/>
           </a:xfrm>
           <a:prstGeom prst="rect">
@@ -8436,7 +8460,7 @@
         </p:nvSpPr>
         <p:spPr>
           <a:xfrm>
-            <a:off x="357578" y="11182137"/>
+            <a:off x="357578" y="11214794"/>
             <a:ext cx="14112711" cy="3123932"/>
           </a:xfrm>
           <a:prstGeom prst="rect">
@@ -8627,7 +8651,7 @@
         </p:nvSpPr>
         <p:spPr>
           <a:xfrm>
-            <a:off x="408458" y="22204743"/>
+            <a:off x="408458" y="22465999"/>
             <a:ext cx="14183494" cy="6386364"/>
           </a:xfrm>
           <a:prstGeom prst="rect">
@@ -8848,7 +8872,7 @@
         </p:nvSpPr>
         <p:spPr>
           <a:xfrm>
-            <a:off x="70801" y="28807233"/>
+            <a:off x="70801" y="29035832"/>
             <a:ext cx="14084573" cy="1384995"/>
           </a:xfrm>
           <a:prstGeom prst="rect">
@@ -9047,7 +9071,7 @@
         </p:nvSpPr>
         <p:spPr>
           <a:xfrm>
-            <a:off x="29367310" y="30740747"/>
+            <a:off x="29367310" y="30806061"/>
             <a:ext cx="14358560" cy="1815882"/>
           </a:xfrm>
           <a:prstGeom prst="rect">
@@ -9118,7 +9142,7 @@
         </p:nvSpPr>
         <p:spPr>
           <a:xfrm>
-            <a:off x="29292147" y="19966755"/>
+            <a:off x="29292147" y="20130040"/>
             <a:ext cx="14384756" cy="5093702"/>
           </a:xfrm>
           <a:prstGeom prst="rect">
@@ -9399,15 +9423,7 @@
                 <a:ea typeface="Helvetica" charset="0"/>
                 <a:cs typeface="Helvetica" charset="0"/>
               </a:rPr>
-              <a:t>,   	either</a:t>
-            </a:r>
-            <a:r>
-              <a:rPr lang="en-US" sz="3200" dirty="0">
-                <a:latin typeface="Helvetica" charset="0"/>
-                <a:ea typeface="Helvetica" charset="0"/>
-                <a:cs typeface="Helvetica" charset="0"/>
-              </a:rPr>
-              <a:t> interpretation (w=0 or w≠3) accomplishes this goal: answer = no</a:t>
+              <a:t>,   	either interpretation (w=0 or w≠3) accomplishes this goal: answer = no</a:t>
             </a:r>
           </a:p>
         </p:txBody>
@@ -9876,7 +9892,7 @@
         </p:nvSpPr>
         <p:spPr>
           <a:xfrm>
-            <a:off x="29066447" y="14443890"/>
+            <a:off x="29099104" y="14313262"/>
             <a:ext cx="14890610" cy="584775"/>
           </a:xfrm>
           <a:prstGeom prst="rect">
@@ -9958,7 +9974,7 @@
         </p:nvGrpSpPr>
         <p:grpSpPr>
           <a:xfrm>
-            <a:off x="8748838" y="23547281"/>
+            <a:off x="8748838" y="23808537"/>
             <a:ext cx="5173001" cy="4226922"/>
             <a:chOff x="8688135" y="25190019"/>
             <a:chExt cx="5173001" cy="4226922"/>
@@ -10106,7 +10122,7 @@
         </p:nvSpPr>
         <p:spPr>
           <a:xfrm>
-            <a:off x="190534" y="18308227"/>
+            <a:off x="190534" y="18536826"/>
             <a:ext cx="14425438" cy="1708160"/>
           </a:xfrm>
           <a:prstGeom prst="rect">
@@ -10138,7 +10154,7 @@
         </p:nvSpPr>
         <p:spPr>
           <a:xfrm>
-            <a:off x="0" y="14318955"/>
+            <a:off x="0" y="14384269"/>
             <a:ext cx="14660067" cy="738664"/>
           </a:xfrm>
           <a:prstGeom prst="rect">
@@ -10177,8 +10193,8 @@
         </p:nvSpPr>
         <p:spPr>
           <a:xfrm>
-            <a:off x="364590" y="15049693"/>
-            <a:ext cx="14015793" cy="2554545"/>
+            <a:off x="364590" y="15082350"/>
+            <a:ext cx="14015793" cy="2631490"/>
           </a:xfrm>
           <a:prstGeom prst="rect">
             <a:avLst/>
@@ -10274,17 +10290,55 @@
                 <a:latin typeface="Helvetica" panose="020B0604020202020204" pitchFamily="34" charset="0"/>
                 <a:cs typeface="Helvetica" panose="020B0604020202020204" pitchFamily="34" charset="0"/>
               </a:rPr>
-              <a:t>(Viau et al., 2010)</a:t>
-            </a:r>
-          </a:p>
-          <a:p>
-            <a:r>
-              <a:rPr lang="en-US" sz="3200" dirty="0">
+              <a:t>(Viau et al., 2010</a:t>
+            </a:r>
+            <a:r>
+              <a:rPr lang="en-US" sz="3200" dirty="0" smtClean="0">
                 <a:latin typeface="Helvetica" panose="020B0604020202020204" pitchFamily="34" charset="0"/>
                 <a:cs typeface="Helvetica" panose="020B0604020202020204" pitchFamily="34" charset="0"/>
               </a:rPr>
-              <a:t>Consensus: Context management (check), grammatical processing (?)</a:t>
-            </a:r>
+              <a:t>)</a:t>
+            </a:r>
+          </a:p>
+          <a:p>
+            <a:endParaRPr lang="en-US" sz="500" dirty="0">
+              <a:latin typeface="Helvetica" panose="020B0604020202020204" pitchFamily="34" charset="0"/>
+              <a:cs typeface="Helvetica" panose="020B0604020202020204" pitchFamily="34" charset="0"/>
+            </a:endParaRPr>
+          </a:p>
+          <a:p>
+            <a:r>
+              <a:rPr lang="en-US" sz="3200" dirty="0">
+                <a:latin typeface="Helvetica" panose="020B0604020202020204" pitchFamily="34" charset="0"/>
+                <a:cs typeface="Helvetica" panose="020B0604020202020204" pitchFamily="34" charset="0"/>
+              </a:rPr>
+              <a:t>Consensus: Context management </a:t>
+            </a:r>
+            <a:r>
+              <a:rPr lang="en-US" sz="3200" dirty="0" smtClean="0">
+                <a:latin typeface="Helvetica" panose="020B0604020202020204" pitchFamily="34" charset="0"/>
+                <a:cs typeface="Helvetica" panose="020B0604020202020204" pitchFamily="34" charset="0"/>
+              </a:rPr>
+              <a:t>       </a:t>
+            </a:r>
+            <a:r>
+              <a:rPr lang="en-US" sz="3200" dirty="0">
+                <a:latin typeface="Helvetica" panose="020B0604020202020204" pitchFamily="34" charset="0"/>
+                <a:cs typeface="Helvetica" panose="020B0604020202020204" pitchFamily="34" charset="0"/>
+              </a:rPr>
+              <a:t>G</a:t>
+            </a:r>
+            <a:r>
+              <a:rPr lang="en-US" sz="3200" dirty="0" smtClean="0">
+                <a:latin typeface="Helvetica" panose="020B0604020202020204" pitchFamily="34" charset="0"/>
+                <a:cs typeface="Helvetica" panose="020B0604020202020204" pitchFamily="34" charset="0"/>
+              </a:rPr>
+              <a:t>rammatical processing</a:t>
+            </a:r>
+            <a:endParaRPr lang="en-US" sz="3200" dirty="0">
+              <a:latin typeface="Helvetica" panose="020B0604020202020204" pitchFamily="34" charset="0"/>
+              <a:cs typeface="Helvetica" panose="020B0604020202020204" pitchFamily="34" charset="0"/>
+            </a:endParaRPr>
           </a:p>
         </p:txBody>
       </p:sp>
@@ -10296,7 +10350,7 @@
         </p:nvSpPr>
         <p:spPr>
           <a:xfrm>
-            <a:off x="781009" y="17569562"/>
+            <a:off x="781009" y="17798161"/>
             <a:ext cx="12664156" cy="738664"/>
           </a:xfrm>
           <a:prstGeom prst="rect">
@@ -10335,7 +10389,7 @@
         </p:nvGrpSpPr>
         <p:grpSpPr>
           <a:xfrm>
-            <a:off x="3938877" y="20123914"/>
+            <a:off x="3938877" y="20385170"/>
             <a:ext cx="6844332" cy="1134036"/>
             <a:chOff x="3649401" y="20790402"/>
             <a:chExt cx="6844332" cy="1134036"/>
@@ -10440,7 +10494,7 @@
         </p:nvSpPr>
         <p:spPr>
           <a:xfrm>
-            <a:off x="1247330" y="21431235"/>
+            <a:off x="1279987" y="21692491"/>
             <a:ext cx="11961069" cy="738664"/>
           </a:xfrm>
           <a:prstGeom prst="rect">
@@ -10479,7 +10533,7 @@
         </p:nvSpPr>
         <p:spPr>
           <a:xfrm>
-            <a:off x="309389" y="30233496"/>
+            <a:off x="309389" y="30462095"/>
             <a:ext cx="14044555" cy="1938992"/>
           </a:xfrm>
           <a:prstGeom prst="rect">
@@ -11297,7 +11351,7 @@
         </p:nvGrpSpPr>
         <p:grpSpPr>
           <a:xfrm>
-            <a:off x="29901681" y="18617268"/>
+            <a:off x="29901681" y="18845867"/>
             <a:ext cx="6844332" cy="1118083"/>
             <a:chOff x="4028879" y="6562112"/>
             <a:chExt cx="6844332" cy="1118083"/>
@@ -11402,8 +11456,8 @@
         </p:nvSpPr>
         <p:spPr>
           <a:xfrm>
-            <a:off x="29382860" y="14966307"/>
-            <a:ext cx="7969370" cy="3616375"/>
+            <a:off x="29382860" y="14998964"/>
+            <a:ext cx="7969370" cy="3770263"/>
           </a:xfrm>
           <a:prstGeom prst="rect">
             <a:avLst/>
@@ -11417,12 +11471,20 @@
           <a:lstStyle/>
           <a:p>
             <a:r>
-              <a:rPr lang="en-US" sz="3200" dirty="0">
-                <a:latin typeface="Helvetica" charset="0"/>
-                <a:ea typeface="Helvetica" charset="0"/>
-                <a:cs typeface="Helvetica" charset="0"/>
-              </a:rPr>
-              <a:t>-We find a stronger role for the </a:t>
+              <a:rPr lang="en-US" sz="3200" dirty="0" smtClean="0">
+                <a:latin typeface="Helvetica" charset="0"/>
+                <a:ea typeface="Helvetica" charset="0"/>
+                <a:cs typeface="Helvetica" charset="0"/>
+              </a:rPr>
+              <a:t>We </a:t>
+            </a:r>
+            <a:r>
+              <a:rPr lang="en-US" sz="3200" dirty="0">
+                <a:latin typeface="Helvetica" charset="0"/>
+                <a:ea typeface="Helvetica" charset="0"/>
+                <a:cs typeface="Helvetica" charset="0"/>
+              </a:rPr>
+              <a:t>find a stronger role for the </a:t>
             </a:r>
             <a:r>
               <a:rPr lang="en-US" sz="3200" dirty="0">
@@ -11450,6 +11512,77 @@
             </a:endParaRPr>
           </a:p>
           <a:p>
+            <a:endParaRPr lang="en-US" sz="800" dirty="0">
+              <a:latin typeface="Helvetica" charset="0"/>
+              <a:ea typeface="Helvetica" charset="0"/>
+              <a:cs typeface="Helvetica" charset="0"/>
+            </a:endParaRPr>
+          </a:p>
+          <a:p>
+            <a:r>
+              <a:rPr lang="en-US" sz="3200" dirty="0" smtClean="0">
+                <a:latin typeface="Helvetica" charset="0"/>
+                <a:ea typeface="Helvetica" charset="0"/>
+                <a:cs typeface="Helvetica" charset="0"/>
+              </a:rPr>
+              <a:t>We </a:t>
+            </a:r>
+            <a:r>
+              <a:rPr lang="en-US" sz="3200" dirty="0">
+                <a:latin typeface="Helvetica" charset="0"/>
+                <a:ea typeface="Helvetica" charset="0"/>
+                <a:cs typeface="Helvetica" charset="0"/>
+              </a:rPr>
+              <a:t>see this result more clearly in Fig. 3 where </a:t>
+            </a:r>
+            <a:r>
+              <a:rPr lang="en-US" sz="3200" dirty="0">
+                <a:solidFill>
+                  <a:srgbClr val="7030A0"/>
+                </a:solidFill>
+                <a:latin typeface="Helvetica" charset="0"/>
+                <a:ea typeface="Helvetica" charset="0"/>
+                <a:cs typeface="Helvetica" charset="0"/>
+              </a:rPr>
+              <a:t>pragmatic factors </a:t>
+            </a:r>
+            <a:r>
+              <a:rPr lang="en-US" sz="3200" dirty="0">
+                <a:latin typeface="Helvetica" charset="0"/>
+                <a:ea typeface="Helvetica" charset="0"/>
+                <a:cs typeface="Helvetica" charset="0"/>
+              </a:rPr>
+              <a:t>overwhelm the </a:t>
+            </a:r>
+            <a:r>
+              <a:rPr lang="en-US" sz="3200" dirty="0">
+                <a:solidFill>
+                  <a:srgbClr val="FF7A00"/>
+                </a:solidFill>
+                <a:latin typeface="Helvetica" charset="0"/>
+                <a:ea typeface="Helvetica" charset="0"/>
+                <a:cs typeface="Helvetica" charset="0"/>
+              </a:rPr>
+              <a:t>scope</a:t>
+            </a:r>
+            <a:r>
+              <a:rPr lang="en-US" sz="3200" dirty="0">
+                <a:latin typeface="Helvetica" charset="0"/>
+                <a:ea typeface="Helvetica" charset="0"/>
+                <a:cs typeface="Helvetica" charset="0"/>
+              </a:rPr>
+              <a:t> prior </a:t>
+            </a:r>
+            <a:r>
+              <a:rPr lang="en-US" sz="3200" dirty="0" smtClean="0">
+                <a:latin typeface="Helvetica" charset="0"/>
+                <a:ea typeface="Helvetica" charset="0"/>
+                <a:cs typeface="Helvetica" charset="0"/>
+              </a:rPr>
+              <a:t>manipulation</a:t>
+            </a:r>
+          </a:p>
+          <a:p>
             <a:endParaRPr lang="en-US" sz="500" dirty="0">
               <a:latin typeface="Helvetica" charset="0"/>
               <a:ea typeface="Helvetica" charset="0"/>
@@ -11458,59 +11591,11 @@
           </a:p>
           <a:p>
             <a:r>
-              <a:rPr lang="en-US" sz="3200" dirty="0">
-                <a:latin typeface="Helvetica" charset="0"/>
-                <a:ea typeface="Helvetica" charset="0"/>
-                <a:cs typeface="Helvetica" charset="0"/>
-              </a:rPr>
-              <a:t>-We see this result more clearly in Fig. 3 where </a:t>
-            </a:r>
-            <a:r>
-              <a:rPr lang="en-US" sz="3200" dirty="0">
-                <a:solidFill>
-                  <a:srgbClr val="7030A0"/>
-                </a:solidFill>
-                <a:latin typeface="Helvetica" charset="0"/>
-                <a:ea typeface="Helvetica" charset="0"/>
-                <a:cs typeface="Helvetica" charset="0"/>
-              </a:rPr>
-              <a:t>pragmatic factors </a:t>
-            </a:r>
-            <a:r>
-              <a:rPr lang="en-US" sz="3200" dirty="0">
-                <a:latin typeface="Helvetica" charset="0"/>
-                <a:ea typeface="Helvetica" charset="0"/>
-                <a:cs typeface="Helvetica" charset="0"/>
-              </a:rPr>
-              <a:t>overwhelm the </a:t>
-            </a:r>
-            <a:r>
-              <a:rPr lang="en-US" sz="3200" dirty="0">
-                <a:solidFill>
-                  <a:srgbClr val="FF7A00"/>
-                </a:solidFill>
-                <a:latin typeface="Helvetica" charset="0"/>
-                <a:ea typeface="Helvetica" charset="0"/>
-                <a:cs typeface="Helvetica" charset="0"/>
-              </a:rPr>
-              <a:t>scope</a:t>
-            </a:r>
-            <a:r>
-              <a:rPr lang="en-US" sz="3200" dirty="0">
-                <a:latin typeface="Helvetica" charset="0"/>
-                <a:ea typeface="Helvetica" charset="0"/>
-                <a:cs typeface="Helvetica" charset="0"/>
-              </a:rPr>
-              <a:t> prior manipulation</a:t>
-            </a:r>
-          </a:p>
-          <a:p>
-            <a:r>
-              <a:rPr lang="en-US" sz="3200" dirty="0">
+              <a:rPr lang="en-US" sz="3200" dirty="0" smtClean="0">
                 <a:latin typeface="Helvetica" panose="020B0604020202020204" pitchFamily="34" charset="0"/>
                 <a:cs typeface="Helvetica" panose="020B0604020202020204" pitchFamily="34" charset="0"/>
               </a:rPr>
-              <a:t>-</a:t>
+              <a:t> -</a:t>
             </a:r>
             <a:r>
               <a:rPr lang="en-US" sz="3200" dirty="0">
@@ -11529,11 +11614,11 @@
           </a:p>
           <a:p>
             <a:r>
-              <a:rPr lang="en-US" sz="3200" dirty="0">
+              <a:rPr lang="en-US" sz="3200" dirty="0" smtClean="0">
                 <a:latin typeface="Helvetica" panose="020B0604020202020204" pitchFamily="34" charset="0"/>
                 <a:cs typeface="Helvetica" panose="020B0604020202020204" pitchFamily="34" charset="0"/>
               </a:rPr>
-              <a:t>-</a:t>
+              <a:t> -</a:t>
             </a:r>
             <a:r>
               <a:rPr lang="en-US" sz="3200" dirty="0">
@@ -11880,7 +11965,7 @@
         </p:nvSpPr>
         <p:spPr>
           <a:xfrm>
-            <a:off x="29230659" y="25028593"/>
+            <a:off x="29230659" y="25224535"/>
             <a:ext cx="14642174" cy="738664"/>
           </a:xfrm>
           <a:prstGeom prst="rect">
@@ -11919,7 +12004,7 @@
         </p:nvSpPr>
         <p:spPr>
           <a:xfrm>
-            <a:off x="29230658" y="28205950"/>
+            <a:off x="29230658" y="28401892"/>
             <a:ext cx="14642175" cy="738664"/>
           </a:xfrm>
           <a:prstGeom prst="rect">
@@ -11958,7 +12043,7 @@
         </p:nvSpPr>
         <p:spPr>
           <a:xfrm>
-            <a:off x="29339369" y="25709331"/>
+            <a:off x="29339369" y="25905273"/>
             <a:ext cx="14533464" cy="2554545"/>
           </a:xfrm>
           <a:prstGeom prst="rect">
@@ -12011,7 +12096,7 @@
         </p:nvSpPr>
         <p:spPr>
           <a:xfrm>
-            <a:off x="29297004" y="28923233"/>
+            <a:off x="29297004" y="29053861"/>
             <a:ext cx="14429496" cy="1569660"/>
           </a:xfrm>
           <a:prstGeom prst="rect">
@@ -12481,7 +12566,7 @@
         </p:nvSpPr>
         <p:spPr>
           <a:xfrm>
-            <a:off x="36979237" y="18642034"/>
+            <a:off x="36979237" y="18707348"/>
             <a:ext cx="6484340" cy="1077218"/>
           </a:xfrm>
           <a:prstGeom prst="rect">
@@ -12802,7 +12887,7 @@
         </p:blipFill>
         <p:spPr>
           <a:xfrm>
-            <a:off x="33583544" y="17569562"/>
+            <a:off x="33779486" y="17667533"/>
             <a:ext cx="441831" cy="441831"/>
           </a:xfrm>
           <a:prstGeom prst="rect">
@@ -12832,7 +12917,67 @@
         </p:blipFill>
         <p:spPr>
           <a:xfrm>
-            <a:off x="34025375" y="18057659"/>
+            <a:off x="34221317" y="18155630"/>
+            <a:ext cx="448993" cy="448993"/>
+          </a:xfrm>
+          <a:prstGeom prst="rect">
+            <a:avLst/>
+          </a:prstGeom>
+        </p:spPr>
+      </p:pic>
+      <p:pic>
+        <p:nvPicPr>
+          <p:cNvPr id="109" name="Picture 108"/>
+          <p:cNvPicPr>
+            <a:picLocks noChangeAspect="1"/>
+          </p:cNvPicPr>
+          <p:nvPr/>
+        </p:nvPicPr>
+        <p:blipFill>
+          <a:blip r:embed="rId20">
+            <a:extLst>
+              <a:ext uri="{28A0092B-C50C-407E-A947-70E740481C1C}">
+                <a14:useLocalDpi xmlns:a14="http://schemas.microsoft.com/office/drawing/2010/main" val="0"/>
+              </a:ext>
+            </a:extLst>
+          </a:blip>
+          <a:stretch>
+            <a:fillRect/>
+          </a:stretch>
+        </p:blipFill>
+        <p:spPr>
+          <a:xfrm>
+            <a:off x="6695898" y="17185823"/>
+            <a:ext cx="441831" cy="441831"/>
+          </a:xfrm>
+          <a:prstGeom prst="rect">
+            <a:avLst/>
+          </a:prstGeom>
+        </p:spPr>
+      </p:pic>
+      <p:pic>
+        <p:nvPicPr>
+          <p:cNvPr id="110" name="Picture 109"/>
+          <p:cNvPicPr>
+            <a:picLocks noChangeAspect="1"/>
+          </p:cNvPicPr>
+          <p:nvPr/>
+        </p:nvPicPr>
+        <p:blipFill>
+          <a:blip r:embed="rId21">
+            <a:extLst>
+              <a:ext uri="{28A0092B-C50C-407E-A947-70E740481C1C}">
+                <a14:useLocalDpi xmlns:a14="http://schemas.microsoft.com/office/drawing/2010/main" val="0"/>
+              </a:ext>
+            </a:extLst>
+          </a:blip>
+          <a:stretch>
+            <a:fillRect/>
+          </a:stretch>
+        </p:blipFill>
+        <p:spPr>
+          <a:xfrm>
+            <a:off x="11970970" y="17182242"/>
             <a:ext cx="448993" cy="448993"/>
           </a:xfrm>
           <a:prstGeom prst="rect">

--- a/presentations/2017 CUNY/RSAPoster.pptx
+++ b/presentations/2017 CUNY/RSAPoster.pptx
@@ -8480,24 +8480,37 @@
                 <a:ea typeface="Helvetica" charset="0"/>
                 <a:cs typeface="Helvetica" charset="0"/>
               </a:rPr>
-              <a:t>Adults assign two interpretations to a sentences like (</a:t>
-            </a:r>
-            <a:r>
-              <a:rPr lang="en-US" sz="3200" dirty="0" err="1">
+              <a:t>Adults assign two interpretations to a </a:t>
+            </a:r>
+            <a:r>
+              <a:rPr lang="en-US" sz="3200" dirty="0" smtClean="0">
+                <a:latin typeface="Helvetica" charset="0"/>
+                <a:ea typeface="Helvetica" charset="0"/>
+                <a:cs typeface="Helvetica" charset="0"/>
+              </a:rPr>
+              <a:t>sentence </a:t>
+            </a:r>
+            <a:r>
+              <a:rPr lang="en-US" sz="3200" dirty="0">
+                <a:latin typeface="Helvetica" charset="0"/>
+                <a:ea typeface="Helvetica" charset="0"/>
+                <a:cs typeface="Helvetica" charset="0"/>
+              </a:rPr>
+              <a:t>like </a:t>
+            </a:r>
+            <a:r>
+              <a:rPr lang="en-US" sz="3200" dirty="0" err="1" smtClean="0">
                 <a:latin typeface="Courier" charset="0"/>
                 <a:ea typeface="Courier" charset="0"/>
                 <a:cs typeface="Courier" charset="0"/>
               </a:rPr>
               <a:t>amb</a:t>
             </a:r>
-            <a:r>
-              <a:rPr lang="en-US" sz="3200" dirty="0">
-                <a:latin typeface="Helvetica" charset="0"/>
-                <a:ea typeface="Helvetica" charset="0"/>
-                <a:cs typeface="Helvetica" charset="0"/>
-              </a:rPr>
-              <a:t>)</a:t>
-            </a:r>
+            <a:endParaRPr lang="en-US" sz="3200" dirty="0">
+              <a:latin typeface="Helvetica" charset="0"/>
+              <a:ea typeface="Helvetica" charset="0"/>
+              <a:cs typeface="Helvetica" charset="0"/>
+            </a:endParaRPr>
           </a:p>
           <a:p>
             <a:r>
@@ -8625,7 +8638,7 @@
               <a:t>  - They appear to struggle to access the </a:t>
             </a:r>
             <a:r>
-              <a:rPr lang="en-US" sz="3200" b="1" dirty="0">
+              <a:rPr lang="en-US" sz="3200" b="1" dirty="0" smtClean="0">
                 <a:latin typeface="Helvetica" charset="0"/>
                 <a:ea typeface="Helvetica" charset="0"/>
                 <a:cs typeface="Helvetica" charset="0"/>
@@ -8638,7 +8651,31 @@
                 <a:ea typeface="Helvetica" charset="0"/>
                 <a:cs typeface="Helvetica" charset="0"/>
               </a:rPr>
-              <a:t>, inverse scope</a:t>
+              <a:t> </a:t>
+            </a:r>
+            <a:r>
+              <a:rPr lang="en-US" sz="3200" dirty="0" smtClean="0">
+                <a:latin typeface="Helvetica" charset="0"/>
+                <a:ea typeface="Helvetica" charset="0"/>
+                <a:cs typeface="Helvetica" charset="0"/>
+              </a:rPr>
+              <a:t>(</a:t>
+            </a:r>
+            <a:r>
+              <a:rPr lang="en-US" sz="3200" dirty="0" smtClean="0">
+                <a:latin typeface="Helvetica" charset="0"/>
+                <a:ea typeface="Helvetica" charset="0"/>
+                <a:cs typeface="Helvetica" charset="0"/>
+              </a:rPr>
+              <a:t>inverse) </a:t>
+            </a:r>
+            <a:r>
+              <a:rPr lang="en-US" sz="3200" dirty="0">
+                <a:latin typeface="Helvetica" charset="0"/>
+                <a:ea typeface="Helvetica" charset="0"/>
+                <a:cs typeface="Helvetica" charset="0"/>
+              </a:rPr>
+              <a:t>scope</a:t>
             </a:r>
           </a:p>
         </p:txBody>
@@ -8739,7 +8776,15 @@
                 <a:ea typeface="Helvetica" charset="0"/>
                 <a:cs typeface="Helvetica" charset="0"/>
               </a:rPr>
-              <a:t>	the horses try to jump over a fence</a:t>
+              <a:t>	the horses try to jump over a </a:t>
+            </a:r>
+            <a:r>
+              <a:rPr lang="en-US" sz="3200" dirty="0" smtClean="0">
+                <a:latin typeface="Helvetica" charset="0"/>
+                <a:ea typeface="Helvetica" charset="0"/>
+                <a:cs typeface="Helvetica" charset="0"/>
+              </a:rPr>
+              <a:t>fence.</a:t>
             </a:r>
             <a:endParaRPr lang="en-US" sz="500" dirty="0">
               <a:latin typeface="Helvetica" charset="0"/>
@@ -8782,12 +8827,12 @@
               <a:t>amb</a:t>
             </a:r>
             <a:r>
-              <a:rPr lang="en-US" sz="3200" dirty="0">
-                <a:latin typeface="Helvetica" charset="0"/>
-                <a:ea typeface="Helvetica" charset="0"/>
-                <a:cs typeface="Helvetica" charset="0"/>
-              </a:rPr>
-              <a:t>)</a:t>
+              <a:rPr lang="en-US" sz="3200" dirty="0" smtClean="0">
+                <a:latin typeface="Helvetica" charset="0"/>
+                <a:ea typeface="Helvetica" charset="0"/>
+                <a:cs typeface="Helvetica" charset="0"/>
+              </a:rPr>
+              <a:t>).</a:t>
             </a:r>
             <a:endParaRPr lang="en-US" sz="500" dirty="0">
               <a:latin typeface="Helvetica" charset="0"/>
@@ -8819,7 +8864,15 @@
                 <a:ea typeface="Helvetica" charset="0"/>
                 <a:cs typeface="Helvetica" charset="0"/>
               </a:rPr>
-              <a:t>    puppet’s utterance was true</a:t>
+              <a:t>    puppet’s utterance was </a:t>
+            </a:r>
+            <a:r>
+              <a:rPr lang="en-US" sz="3200" dirty="0" smtClean="0">
+                <a:latin typeface="Helvetica" charset="0"/>
+                <a:ea typeface="Helvetica" charset="0"/>
+                <a:cs typeface="Helvetica" charset="0"/>
+              </a:rPr>
+              <a:t>true.</a:t>
             </a:r>
             <a:endParaRPr lang="en-US" sz="500" dirty="0">
               <a:latin typeface="Helvetica" charset="0"/>
@@ -8859,8 +8912,21 @@
                 <a:ea typeface="Helvetica" charset="0"/>
                 <a:cs typeface="Helvetica" charset="0"/>
               </a:rPr>
-              <a:t> the utterance as a true description of the scene</a:t>
-            </a:r>
+              <a:t> the utterance as a true description of the </a:t>
+            </a:r>
+            <a:r>
+              <a:rPr lang="en-US" sz="3200" dirty="0" smtClean="0">
+                <a:latin typeface="Helvetica" charset="0"/>
+                <a:ea typeface="Helvetica" charset="0"/>
+                <a:cs typeface="Helvetica" charset="0"/>
+              </a:rPr>
+              <a:t>scene.</a:t>
+            </a:r>
+            <a:endParaRPr lang="en-US" sz="3200" dirty="0">
+              <a:latin typeface="Helvetica" charset="0"/>
+              <a:ea typeface="Helvetica" charset="0"/>
+              <a:cs typeface="Helvetica" charset="0"/>
+            </a:endParaRPr>
           </a:p>
         </p:txBody>
       </p:sp>
@@ -9369,8 +9435,21 @@
                 <a:ea typeface="Helvetica" charset="0"/>
                 <a:cs typeface="Helvetica" charset="0"/>
               </a:rPr>
-              <a:t> for communication</a:t>
-            </a:r>
+              <a:t> for </a:t>
+            </a:r>
+            <a:r>
+              <a:rPr lang="en-US" sz="3200" dirty="0" smtClean="0">
+                <a:latin typeface="Helvetica" charset="0"/>
+                <a:ea typeface="Helvetica" charset="0"/>
+                <a:cs typeface="Helvetica" charset="0"/>
+              </a:rPr>
+              <a:t>communication.</a:t>
+            </a:r>
+            <a:endParaRPr lang="en-US" sz="3200" dirty="0">
+              <a:latin typeface="Helvetica" charset="0"/>
+              <a:ea typeface="Helvetica" charset="0"/>
+              <a:cs typeface="Helvetica" charset="0"/>
+            </a:endParaRPr>
           </a:p>
           <a:p>
             <a:r>
@@ -9389,8 +9468,21 @@
                 <a:ea typeface="Helvetica" charset="0"/>
                 <a:cs typeface="Helvetica" charset="0"/>
               </a:rPr>
-              <a:t>	(w=0 or w≠3) is informative for shifting beliefs away</a:t>
-            </a:r>
+              <a:t>	(w=0 or w≠3) is informative for shifting beliefs </a:t>
+            </a:r>
+            <a:r>
+              <a:rPr lang="en-US" sz="3200" dirty="0" smtClean="0">
+                <a:latin typeface="Helvetica" charset="0"/>
+                <a:ea typeface="Helvetica" charset="0"/>
+                <a:cs typeface="Helvetica" charset="0"/>
+              </a:rPr>
+              <a:t>away.</a:t>
+            </a:r>
+            <a:endParaRPr lang="en-US" sz="3200" dirty="0">
+              <a:latin typeface="Helvetica" charset="0"/>
+              <a:ea typeface="Helvetica" charset="0"/>
+              <a:cs typeface="Helvetica" charset="0"/>
+            </a:endParaRPr>
           </a:p>
           <a:p>
             <a:r>
@@ -9423,8 +9515,21 @@
                 <a:ea typeface="Helvetica" charset="0"/>
                 <a:cs typeface="Helvetica" charset="0"/>
               </a:rPr>
-              <a:t>,   	either interpretation (w=0 or w≠3) accomplishes this goal: answer = no</a:t>
-            </a:r>
+              <a:t>,   	either interpretation (w=0 or w≠3) accomplishes this goal: answer = </a:t>
+            </a:r>
+            <a:r>
+              <a:rPr lang="en-US" sz="3200" dirty="0" smtClean="0">
+                <a:latin typeface="Helvetica" charset="0"/>
+                <a:ea typeface="Helvetica" charset="0"/>
+                <a:cs typeface="Helvetica" charset="0"/>
+              </a:rPr>
+              <a:t>no.</a:t>
+            </a:r>
+            <a:endParaRPr lang="en-US" sz="3200" dirty="0">
+              <a:latin typeface="Helvetica" charset="0"/>
+              <a:ea typeface="Helvetica" charset="0"/>
+              <a:cs typeface="Helvetica" charset="0"/>
+            </a:endParaRPr>
           </a:p>
         </p:txBody>
       </p:sp>
@@ -9665,7 +9770,9 @@
           <a:prstGeom prst="rect">
             <a:avLst/>
           </a:prstGeom>
-          <a:noFill/>
+          <a:solidFill>
+            <a:schemeClr val="bg1"/>
+          </a:solidFill>
         </p:spPr>
         <p:txBody>
           <a:bodyPr wrap="square" rtlCol="0">
@@ -9675,21 +9782,72 @@
           <a:p>
             <a:r>
               <a:rPr lang="en-US" sz="3200" dirty="0">
-                <a:latin typeface="Helvetica" charset="0"/>
-                <a:ea typeface="Helvetica" charset="0"/>
-                <a:cs typeface="Helvetica" charset="0"/>
-              </a:rPr>
-              <a:t>Early-success affirmative context ➝ more adult-like behavior </a:t>
-            </a:r>
-          </a:p>
-          <a:p>
-            <a:r>
-              <a:rPr lang="en-US" sz="3200" dirty="0">
-                <a:latin typeface="Helvetica" charset="0"/>
-                <a:ea typeface="Helvetica" charset="0"/>
-                <a:cs typeface="Helvetica" charset="0"/>
-              </a:rPr>
-              <a:t>  - Either explicitly in the test utterance (Musolino &amp; Lidz, 2006)</a:t>
+                <a:solidFill>
+                  <a:srgbClr val="7030A0"/>
+                </a:solidFill>
+                <a:latin typeface="Helvetica" charset="0"/>
+                <a:ea typeface="Helvetica" charset="0"/>
+                <a:cs typeface="Helvetica" charset="0"/>
+              </a:rPr>
+              <a:t>Early-success affirmative context </a:t>
+            </a:r>
+            <a:r>
+              <a:rPr lang="en-US" sz="3200" dirty="0">
+                <a:latin typeface="Helvetica" charset="0"/>
+                <a:ea typeface="Helvetica" charset="0"/>
+                <a:cs typeface="Helvetica" charset="0"/>
+              </a:rPr>
+              <a:t>➝ more adult-like behavior </a:t>
+            </a:r>
+          </a:p>
+          <a:p>
+            <a:r>
+              <a:rPr lang="en-US" sz="3200" dirty="0">
+                <a:latin typeface="Helvetica" charset="0"/>
+                <a:ea typeface="Helvetica" charset="0"/>
+                <a:cs typeface="Helvetica" charset="0"/>
+              </a:rPr>
+              <a:t>  </a:t>
+            </a:r>
+            <a:r>
+              <a:rPr lang="en-US" sz="3200" dirty="0" smtClean="0">
+                <a:latin typeface="Helvetica" charset="0"/>
+                <a:ea typeface="Helvetica" charset="0"/>
+                <a:cs typeface="Helvetica" charset="0"/>
+              </a:rPr>
+              <a:t>(1)</a:t>
+            </a:r>
+            <a:r>
+              <a:rPr lang="en-US" sz="3200" dirty="0" smtClean="0">
+                <a:latin typeface="Helvetica" charset="0"/>
+                <a:ea typeface="Helvetica" charset="0"/>
+                <a:cs typeface="Helvetica" charset="0"/>
+              </a:rPr>
+              <a:t> </a:t>
+            </a:r>
+            <a:r>
+              <a:rPr lang="en-US" sz="3200" dirty="0">
+                <a:latin typeface="Helvetica" charset="0"/>
+                <a:ea typeface="Helvetica" charset="0"/>
+                <a:cs typeface="Helvetica" charset="0"/>
+              </a:rPr>
+              <a:t>E</a:t>
+            </a:r>
+            <a:r>
+              <a:rPr lang="en-US" sz="3200" dirty="0" smtClean="0">
+                <a:latin typeface="Helvetica" charset="0"/>
+                <a:ea typeface="Helvetica" charset="0"/>
+                <a:cs typeface="Helvetica" charset="0"/>
+              </a:rPr>
+              <a:t>xplicitly </a:t>
+            </a:r>
+            <a:r>
+              <a:rPr lang="en-US" sz="3200" dirty="0">
+                <a:latin typeface="Helvetica" charset="0"/>
+                <a:ea typeface="Helvetica" charset="0"/>
+                <a:cs typeface="Helvetica" charset="0"/>
+              </a:rPr>
+              <a:t>in the test utterance (Musolino &amp; Lidz, 2006)</a:t>
             </a:r>
           </a:p>
           <a:p>
@@ -9757,7 +9915,47 @@
                 <a:ea typeface="Helvetica" charset="0"/>
                 <a:cs typeface="Helvetica" charset="0"/>
               </a:rPr>
-              <a:t>  - Or previously in the story context  </a:t>
+              <a:t>  </a:t>
+            </a:r>
+            <a:r>
+              <a:rPr lang="en-US" sz="3200" dirty="0" smtClean="0">
+                <a:latin typeface="Helvetica" charset="0"/>
+                <a:ea typeface="Helvetica" charset="0"/>
+                <a:cs typeface="Helvetica" charset="0"/>
+              </a:rPr>
+              <a:t>(2)</a:t>
+            </a:r>
+            <a:r>
+              <a:rPr lang="en-US" sz="3200" dirty="0" smtClean="0">
+                <a:latin typeface="Helvetica" charset="0"/>
+                <a:ea typeface="Helvetica" charset="0"/>
+                <a:cs typeface="Helvetica" charset="0"/>
+              </a:rPr>
+              <a:t> </a:t>
+            </a:r>
+            <a:r>
+              <a:rPr lang="en-US" sz="3200" dirty="0">
+                <a:latin typeface="Helvetica" charset="0"/>
+                <a:ea typeface="Helvetica" charset="0"/>
+                <a:cs typeface="Helvetica" charset="0"/>
+              </a:rPr>
+              <a:t>P</a:t>
+            </a:r>
+            <a:r>
+              <a:rPr lang="en-US" sz="3200" dirty="0" smtClean="0">
+                <a:latin typeface="Helvetica" charset="0"/>
+                <a:ea typeface="Helvetica" charset="0"/>
+                <a:cs typeface="Helvetica" charset="0"/>
+              </a:rPr>
+              <a:t>reviously </a:t>
+            </a:r>
+            <a:r>
+              <a:rPr lang="en-US" sz="3200" dirty="0">
+                <a:latin typeface="Helvetica" charset="0"/>
+                <a:ea typeface="Helvetica" charset="0"/>
+                <a:cs typeface="Helvetica" charset="0"/>
+              </a:rPr>
+              <a:t>in the story context  </a:t>
             </a:r>
             <a:r>
               <a:rPr lang="en-US" sz="3200" dirty="0">
@@ -9782,7 +9980,7 @@
               <a:t>	</a:t>
             </a:r>
             <a:r>
-              <a:rPr lang="en-US" sz="3200" dirty="0">
+              <a:rPr lang="en-US" sz="3200" dirty="0" smtClean="0">
                 <a:solidFill>
                   <a:srgbClr val="FF0000"/>
                 </a:solidFill>
@@ -9790,7 +9988,40 @@
                 <a:ea typeface="Helvetica" charset="0"/>
                 <a:cs typeface="Helvetica" charset="0"/>
               </a:rPr>
-              <a:t>the horses succeeded at some earlier task in the story</a:t>
+              <a:t>(T</a:t>
+            </a:r>
+            <a:r>
+              <a:rPr lang="en-US" sz="3200" dirty="0" smtClean="0">
+                <a:solidFill>
+                  <a:srgbClr val="FF0000"/>
+                </a:solidFill>
+                <a:latin typeface="Helvetica" charset="0"/>
+                <a:ea typeface="Helvetica" charset="0"/>
+                <a:cs typeface="Helvetica" charset="0"/>
+              </a:rPr>
+              <a:t>he </a:t>
+            </a:r>
+            <a:r>
+              <a:rPr lang="en-US" sz="3200" dirty="0">
+                <a:solidFill>
+                  <a:srgbClr val="FF0000"/>
+                </a:solidFill>
+                <a:latin typeface="Helvetica" charset="0"/>
+                <a:ea typeface="Helvetica" charset="0"/>
+                <a:cs typeface="Helvetica" charset="0"/>
+              </a:rPr>
+              <a:t>horses succeeded at some earlier task in the </a:t>
+            </a:r>
+            <a:r>
+              <a:rPr lang="en-US" sz="3200" dirty="0" smtClean="0">
+                <a:solidFill>
+                  <a:srgbClr val="FF0000"/>
+                </a:solidFill>
+                <a:latin typeface="Helvetica" charset="0"/>
+                <a:ea typeface="Helvetica" charset="0"/>
+                <a:cs typeface="Helvetica" charset="0"/>
+              </a:rPr>
+              <a:t>story)</a:t>
             </a:r>
             <a:endParaRPr lang="en-US" sz="500" dirty="0">
               <a:solidFill>
@@ -9814,11 +10045,22 @@
           <a:p>
             <a:r>
               <a:rPr lang="en-US" sz="3200" dirty="0">
-                <a:latin typeface="Helvetica" charset="0"/>
-                <a:ea typeface="Helvetica" charset="0"/>
-                <a:cs typeface="Helvetica" charset="0"/>
-              </a:rPr>
-              <a:t>Increasing salience of specific QUD ➝ more adult-like behavior </a:t>
+                <a:solidFill>
+                  <a:srgbClr val="7030A0"/>
+                </a:solidFill>
+                <a:latin typeface="Helvetica" charset="0"/>
+                <a:ea typeface="Helvetica" charset="0"/>
+                <a:cs typeface="Helvetica" charset="0"/>
+              </a:rPr>
+              <a:t>Increasing salience of specific QUD </a:t>
+            </a:r>
+            <a:r>
+              <a:rPr lang="en-US" sz="3200" dirty="0">
+                <a:latin typeface="Helvetica" charset="0"/>
+                <a:ea typeface="Helvetica" charset="0"/>
+                <a:cs typeface="Helvetica" charset="0"/>
+              </a:rPr>
+              <a:t>➝ more adult-like behavior </a:t>
             </a:r>
           </a:p>
           <a:p>
@@ -10141,8 +10383,37 @@
                 <a:ea typeface="Helvetica" charset="0"/>
                 <a:cs typeface="Helvetica" charset="0"/>
               </a:rPr>
-              <a:t>We identify and separate the contributions of these two factors in an articulated formal model of ambiguity resolution as pragmatic inference to diagnose the impact of grammatical processing </a:t>
-            </a:r>
+              <a:t>We identify and separate the contributions of these two factors in an articulated formal model of ambiguity resolution as pragmatic inference </a:t>
+            </a:r>
+            <a:r>
+              <a:rPr lang="en-US" sz="3500" dirty="0" smtClean="0">
+                <a:latin typeface="Helvetica" charset="0"/>
+                <a:ea typeface="Helvetica" charset="0"/>
+                <a:cs typeface="Helvetica" charset="0"/>
+              </a:rPr>
+              <a:t>in order to </a:t>
+            </a:r>
+            <a:r>
+              <a:rPr lang="en-US" sz="3500" dirty="0">
+                <a:latin typeface="Helvetica" charset="0"/>
+                <a:ea typeface="Helvetica" charset="0"/>
+                <a:cs typeface="Helvetica" charset="0"/>
+              </a:rPr>
+              <a:t>diagnose the impact of grammatical </a:t>
+            </a:r>
+            <a:r>
+              <a:rPr lang="en-US" sz="3500" dirty="0" smtClean="0">
+                <a:latin typeface="Helvetica" charset="0"/>
+                <a:ea typeface="Helvetica" charset="0"/>
+                <a:cs typeface="Helvetica" charset="0"/>
+              </a:rPr>
+              <a:t>processing. </a:t>
+            </a:r>
+            <a:endParaRPr lang="en-US" sz="3500" dirty="0">
+              <a:latin typeface="Helvetica" charset="0"/>
+              <a:ea typeface="Helvetica" charset="0"/>
+              <a:cs typeface="Helvetica" charset="0"/>
+            </a:endParaRPr>
           </a:p>
         </p:txBody>
       </p:sp>
@@ -10217,12 +10488,20 @@
           </a:p>
           <a:p>
             <a:r>
-              <a:rPr lang="en-US" sz="3200" dirty="0">
+              <a:rPr lang="en-US" sz="3200" dirty="0" smtClean="0">
                 <a:latin typeface="Helvetica" panose="020B0604020202020204" pitchFamily="34" charset="0"/>
                 <a:ea typeface="Helvetica" charset="0"/>
                 <a:cs typeface="Helvetica" panose="020B0604020202020204" pitchFamily="34" charset="0"/>
               </a:rPr>
-              <a:t> - Limited </a:t>
+              <a:t> </a:t>
+            </a:r>
+            <a:r>
+              <a:rPr lang="en-US" sz="3200" dirty="0">
+                <a:latin typeface="Helvetica" panose="020B0604020202020204" pitchFamily="34" charset="0"/>
+                <a:ea typeface="Helvetica" charset="0"/>
+                <a:cs typeface="Helvetica" panose="020B0604020202020204" pitchFamily="34" charset="0"/>
+              </a:rPr>
+              <a:t>- Limited </a:t>
             </a:r>
             <a:r>
               <a:rPr lang="en-US" sz="3200" dirty="0">
@@ -10267,7 +10546,7 @@
           </a:p>
           <a:p>
             <a:r>
-              <a:rPr lang="en-US" sz="3200" dirty="0">
+              <a:rPr lang="en-US" sz="3200" dirty="0" smtClean="0">
                 <a:latin typeface="Helvetica" panose="020B0604020202020204" pitchFamily="34" charset="0"/>
                 <a:ea typeface="Helvetica" charset="0"/>
                 <a:cs typeface="Helvetica" panose="020B0604020202020204" pitchFamily="34" charset="0"/>
@@ -10275,7 +10554,7 @@
               <a:t>  - Limited </a:t>
             </a:r>
             <a:r>
-              <a:rPr lang="en-US" sz="3200" dirty="0">
+              <a:rPr lang="en-US" sz="3200" dirty="0" smtClean="0">
                 <a:solidFill>
                   <a:srgbClr val="FF7A00"/>
                 </a:solidFill>
@@ -10286,18 +10565,25 @@
               <a:t>grammatical processing resources </a:t>
             </a:r>
             <a:r>
-              <a:rPr lang="en-US" sz="3200" dirty="0">
-                <a:latin typeface="Helvetica" panose="020B0604020202020204" pitchFamily="34" charset="0"/>
-                <a:cs typeface="Helvetica" panose="020B0604020202020204" pitchFamily="34" charset="0"/>
-              </a:rPr>
-              <a:t>(Viau et al., 2010</a:t>
-            </a:r>
-            <a:r>
               <a:rPr lang="en-US" sz="3200" dirty="0" smtClean="0">
                 <a:latin typeface="Helvetica" panose="020B0604020202020204" pitchFamily="34" charset="0"/>
                 <a:cs typeface="Helvetica" panose="020B0604020202020204" pitchFamily="34" charset="0"/>
               </a:rPr>
-              <a:t>)</a:t>
+              <a:t>(</a:t>
+            </a:r>
+            <a:r>
+              <a:rPr lang="en-US" sz="3200" dirty="0" err="1" smtClean="0">
+                <a:latin typeface="Helvetica" panose="020B0604020202020204" pitchFamily="34" charset="0"/>
+                <a:cs typeface="Helvetica" panose="020B0604020202020204" pitchFamily="34" charset="0"/>
+              </a:rPr>
+              <a:t>Viau</a:t>
+            </a:r>
+            <a:r>
+              <a:rPr lang="en-US" sz="3200" dirty="0" smtClean="0">
+                <a:latin typeface="Helvetica" panose="020B0604020202020204" pitchFamily="34" charset="0"/>
+                <a:cs typeface="Helvetica" panose="020B0604020202020204" pitchFamily="34" charset="0"/>
+              </a:rPr>
+              <a:t> et al., 2010)</a:t>
             </a:r>
           </a:p>
           <a:p>
@@ -10312,30 +10598,52 @@
                 <a:latin typeface="Helvetica" panose="020B0604020202020204" pitchFamily="34" charset="0"/>
                 <a:cs typeface="Helvetica" panose="020B0604020202020204" pitchFamily="34" charset="0"/>
               </a:rPr>
-              <a:t>Consensus: Context management </a:t>
-            </a:r>
-            <a:r>
-              <a:rPr lang="en-US" sz="3200" dirty="0" smtClean="0">
+              <a:t>Consensus: </a:t>
+            </a:r>
+            <a:r>
+              <a:rPr lang="en-US" sz="3200" dirty="0">
+                <a:solidFill>
+                  <a:srgbClr val="7030A0"/>
+                </a:solidFill>
                 <a:latin typeface="Helvetica" panose="020B0604020202020204" pitchFamily="34" charset="0"/>
                 <a:cs typeface="Helvetica" panose="020B0604020202020204" pitchFamily="34" charset="0"/>
               </a:rPr>
-              <a:t>       </a:t>
-            </a:r>
-            <a:r>
-              <a:rPr lang="en-US" sz="3200" dirty="0">
+              <a:t>Context management </a:t>
+            </a:r>
+            <a:r>
+              <a:rPr lang="en-US" sz="3200" dirty="0" smtClean="0">
+                <a:solidFill>
+                  <a:srgbClr val="7030A0"/>
+                </a:solidFill>
                 <a:latin typeface="Helvetica" panose="020B0604020202020204" pitchFamily="34" charset="0"/>
                 <a:cs typeface="Helvetica" panose="020B0604020202020204" pitchFamily="34" charset="0"/>
               </a:rPr>
-              <a:t>G</a:t>
-            </a:r>
-            <a:r>
-              <a:rPr lang="en-US" sz="3200" dirty="0" smtClean="0">
+              <a:t>       </a:t>
+            </a:r>
+            <a:r>
+              <a:rPr lang="en-US" sz="3200" dirty="0">
+                <a:solidFill>
+                  <a:srgbClr val="FF7A00"/>
+                </a:solidFill>
                 <a:latin typeface="Helvetica" panose="020B0604020202020204" pitchFamily="34" charset="0"/>
                 <a:cs typeface="Helvetica" panose="020B0604020202020204" pitchFamily="34" charset="0"/>
               </a:rPr>
+              <a:t>G</a:t>
+            </a:r>
+            <a:r>
+              <a:rPr lang="en-US" sz="3200" dirty="0" smtClean="0">
+                <a:solidFill>
+                  <a:srgbClr val="FF7A00"/>
+                </a:solidFill>
+                <a:latin typeface="Helvetica" panose="020B0604020202020204" pitchFamily="34" charset="0"/>
+                <a:cs typeface="Helvetica" panose="020B0604020202020204" pitchFamily="34" charset="0"/>
+              </a:rPr>
               <a:t>rammatical processing</a:t>
             </a:r>
             <a:endParaRPr lang="en-US" sz="3200" dirty="0">
+              <a:solidFill>
+                <a:srgbClr val="FF7A00"/>
+              </a:solidFill>
               <a:latin typeface="Helvetica" panose="020B0604020202020204" pitchFamily="34" charset="0"/>
               <a:cs typeface="Helvetica" panose="020B0604020202020204" pitchFamily="34" charset="0"/>
             </a:endParaRPr>
@@ -10534,7 +10842,7 @@
         <p:spPr>
           <a:xfrm>
             <a:off x="309389" y="30462095"/>
-            <a:ext cx="14044555" cy="1938992"/>
+            <a:ext cx="14216092" cy="1938992"/>
           </a:xfrm>
           <a:prstGeom prst="rect">
             <a:avLst/>
@@ -10553,8 +10861,21 @@
                 <a:ea typeface="Helvetica" charset="0"/>
                 <a:cs typeface="Helvetica" charset="0"/>
               </a:rPr>
-              <a:t>The trouble is identifying how specific changes to the experiment affect specific factors underlying the endorsement task</a:t>
-            </a:r>
+              <a:t>The trouble is identifying how specific changes to the experiment affect specific factors underlying the endorsement </a:t>
+            </a:r>
+            <a:r>
+              <a:rPr lang="en-US" sz="3500" dirty="0" smtClean="0">
+                <a:latin typeface="Helvetica" charset="0"/>
+                <a:ea typeface="Helvetica" charset="0"/>
+                <a:cs typeface="Helvetica" charset="0"/>
+              </a:rPr>
+              <a:t>task.</a:t>
+            </a:r>
+            <a:endParaRPr lang="en-US" sz="3500" dirty="0">
+              <a:latin typeface="Helvetica" charset="0"/>
+              <a:ea typeface="Helvetica" charset="0"/>
+              <a:cs typeface="Helvetica" charset="0"/>
+            </a:endParaRPr>
           </a:p>
           <a:p>
             <a:endParaRPr lang="en-US" sz="1500" dirty="0">
@@ -10586,8 +10907,21 @@
                 <a:ea typeface="Helvetica" charset="0"/>
                 <a:cs typeface="Helvetica" charset="0"/>
               </a:rPr>
-              <a:t> what they think they are</a:t>
-            </a:r>
+              <a:t> what they think they </a:t>
+            </a:r>
+            <a:r>
+              <a:rPr lang="en-US" sz="3500" dirty="0" smtClean="0">
+                <a:latin typeface="Helvetica" charset="0"/>
+                <a:ea typeface="Helvetica" charset="0"/>
+                <a:cs typeface="Helvetica" charset="0"/>
+              </a:rPr>
+              <a:t>are.</a:t>
+            </a:r>
+            <a:endParaRPr lang="en-US" sz="3500" dirty="0">
+              <a:latin typeface="Helvetica" charset="0"/>
+              <a:ea typeface="Helvetica" charset="0"/>
+              <a:cs typeface="Helvetica" charset="0"/>
+            </a:endParaRPr>
           </a:p>
         </p:txBody>
       </p:sp>
@@ -10798,6 +11132,9 @@
           <a:p>
             <a:r>
               <a:rPr lang="en-US" sz="3200" dirty="0">
+                <a:solidFill>
+                  <a:srgbClr val="FF7A00"/>
+                </a:solidFill>
                 <a:latin typeface="Helvetica" charset="0"/>
                 <a:ea typeface="Helvetica" charset="0"/>
                 <a:cs typeface="Helvetica" charset="0"/>
@@ -10806,6 +11143,9 @@
             </a:r>
             <a:r>
               <a:rPr lang="en-US" sz="3200" b="1" dirty="0">
+                <a:solidFill>
+                  <a:srgbClr val="FF7A00"/>
+                </a:solidFill>
                 <a:latin typeface="Helvetica" charset="0"/>
                 <a:ea typeface="Helvetica" charset="0"/>
                 <a:cs typeface="Helvetica" charset="0"/>
@@ -10814,21 +11154,51 @@
             </a:r>
             <a:r>
               <a:rPr lang="en-US" sz="3200" dirty="0">
-                <a:latin typeface="Helvetica" charset="0"/>
-                <a:ea typeface="Helvetica" charset="0"/>
-                <a:cs typeface="Helvetica" charset="0"/>
-              </a:rPr>
-              <a:t> interpretations ➝ more adult-like behavior </a:t>
-            </a:r>
-          </a:p>
-          <a:p>
-            <a:r>
-              <a:rPr lang="en-US" sz="3200" dirty="0">
-                <a:latin typeface="Helvetica" charset="0"/>
-                <a:ea typeface="Helvetica" charset="0"/>
-                <a:cs typeface="Helvetica" charset="0"/>
-              </a:rPr>
-              <a:t>  - Early-success context leads to increased endorsement</a:t>
+                <a:solidFill>
+                  <a:srgbClr val="FF7A00"/>
+                </a:solidFill>
+                <a:latin typeface="Helvetica" charset="0"/>
+                <a:ea typeface="Helvetica" charset="0"/>
+                <a:cs typeface="Helvetica" charset="0"/>
+              </a:rPr>
+              <a:t> interpretations </a:t>
+            </a:r>
+            <a:r>
+              <a:rPr lang="en-US" sz="3200" dirty="0">
+                <a:latin typeface="Helvetica" charset="0"/>
+                <a:ea typeface="Helvetica" charset="0"/>
+                <a:cs typeface="Helvetica" charset="0"/>
+              </a:rPr>
+              <a:t>➝ more adult-like behavior </a:t>
+            </a:r>
+          </a:p>
+          <a:p>
+            <a:r>
+              <a:rPr lang="en-US" sz="3200" dirty="0">
+                <a:latin typeface="Helvetica" charset="0"/>
+                <a:ea typeface="Helvetica" charset="0"/>
+                <a:cs typeface="Helvetica" charset="0"/>
+              </a:rPr>
+              <a:t>  - </a:t>
+            </a:r>
+            <a:r>
+              <a:rPr lang="en-US" sz="3200" dirty="0">
+                <a:solidFill>
+                  <a:srgbClr val="7030A0"/>
+                </a:solidFill>
+                <a:latin typeface="Helvetica" charset="0"/>
+                <a:ea typeface="Helvetica" charset="0"/>
+                <a:cs typeface="Helvetica" charset="0"/>
+              </a:rPr>
+              <a:t>Early-success context </a:t>
+            </a:r>
+            <a:r>
+              <a:rPr lang="en-US" sz="3200" dirty="0">
+                <a:latin typeface="Helvetica" charset="0"/>
+                <a:ea typeface="Helvetica" charset="0"/>
+                <a:cs typeface="Helvetica" charset="0"/>
+              </a:rPr>
+              <a:t>leads to increased endorsement</a:t>
             </a:r>
           </a:p>
           <a:p>
@@ -10856,6 +11226,9 @@
           <a:p>
             <a:r>
               <a:rPr lang="en-US" sz="3200" dirty="0">
+                <a:solidFill>
+                  <a:srgbClr val="FF7A00"/>
+                </a:solidFill>
                 <a:latin typeface="Helvetica" charset="0"/>
                 <a:ea typeface="Helvetica" charset="0"/>
                 <a:cs typeface="Helvetica" charset="0"/>
@@ -10864,6 +11237,9 @@
             </a:r>
             <a:r>
               <a:rPr lang="en-US" sz="3200" b="1" dirty="0">
+                <a:solidFill>
+                  <a:srgbClr val="FF7A00"/>
+                </a:solidFill>
                 <a:latin typeface="Helvetica" charset="0"/>
                 <a:ea typeface="Helvetica" charset="0"/>
                 <a:cs typeface="Helvetica" charset="0"/>
@@ -10872,11 +11248,30 @@
             </a:r>
             <a:r>
               <a:rPr lang="en-US" sz="3200" dirty="0">
-                <a:latin typeface="Helvetica" charset="0"/>
-                <a:ea typeface="Helvetica" charset="0"/>
-                <a:cs typeface="Helvetica" charset="0"/>
-              </a:rPr>
-              <a:t>interpretations leads to </a:t>
+                <a:solidFill>
+                  <a:srgbClr val="FF7A00"/>
+                </a:solidFill>
+                <a:latin typeface="Helvetica" charset="0"/>
+                <a:ea typeface="Helvetica" charset="0"/>
+                <a:cs typeface="Helvetica" charset="0"/>
+              </a:rPr>
+              <a:t>interpretations </a:t>
+            </a:r>
+            <a:r>
+              <a:rPr lang="en-US" sz="3200" dirty="0" smtClean="0">
+                <a:latin typeface="Helvetica" charset="0"/>
+                <a:ea typeface="Helvetica" charset="0"/>
+                <a:cs typeface="Helvetica" charset="0"/>
+              </a:rPr>
+              <a:t>lead </a:t>
+            </a:r>
+            <a:r>
+              <a:rPr lang="en-US" sz="3200" dirty="0">
+                <a:latin typeface="Helvetica" charset="0"/>
+                <a:ea typeface="Helvetica" charset="0"/>
+                <a:cs typeface="Helvetica" charset="0"/>
+              </a:rPr>
+              <a:t>to </a:t>
             </a:r>
             <a:r>
               <a:rPr lang="en-US" sz="3200" b="1" dirty="0">
@@ -11503,7 +11898,15 @@
                 <a:ea typeface="Helvetica" charset="0"/>
                 <a:cs typeface="Helvetica" charset="0"/>
               </a:rPr>
-              <a:t> in utterance endorsement</a:t>
+              <a:t> in utterance </a:t>
+            </a:r>
+            <a:r>
+              <a:rPr lang="en-US" sz="3200" dirty="0" smtClean="0">
+                <a:latin typeface="Helvetica" charset="0"/>
+                <a:ea typeface="Helvetica" charset="0"/>
+                <a:cs typeface="Helvetica" charset="0"/>
+              </a:rPr>
+              <a:t>endorsement.</a:t>
             </a:r>
             <a:endParaRPr lang="en-US" sz="1500" dirty="0">
               <a:latin typeface="Helvetica" charset="0"/>
@@ -11579,8 +11982,13 @@
                 <a:ea typeface="Helvetica" charset="0"/>
                 <a:cs typeface="Helvetica" charset="0"/>
               </a:rPr>
-              <a:t>manipulation</a:t>
-            </a:r>
+              <a:t>manipulation.</a:t>
+            </a:r>
+            <a:endParaRPr lang="en-US" sz="3200" dirty="0" smtClean="0">
+              <a:latin typeface="Helvetica" charset="0"/>
+              <a:ea typeface="Helvetica" charset="0"/>
+              <a:cs typeface="Helvetica" charset="0"/>
+            </a:endParaRPr>
           </a:p>
           <a:p>
             <a:endParaRPr lang="en-US" sz="500" dirty="0">
@@ -11595,17 +12003,34 @@
                 <a:latin typeface="Helvetica" panose="020B0604020202020204" pitchFamily="34" charset="0"/>
                 <a:cs typeface="Helvetica" panose="020B0604020202020204" pitchFamily="34" charset="0"/>
               </a:rPr>
-              <a:t> -</a:t>
-            </a:r>
-            <a:r>
-              <a:rPr lang="en-US" sz="3200" dirty="0">
+              <a:t> </a:t>
+            </a:r>
+            <a:r>
+              <a:rPr lang="en-US" sz="3200" dirty="0" smtClean="0">
+                <a:latin typeface="Helvetica" panose="020B0604020202020204" pitchFamily="34" charset="0"/>
+                <a:cs typeface="Helvetica" panose="020B0604020202020204" pitchFamily="34" charset="0"/>
+              </a:rPr>
+              <a:t>- </a:t>
+            </a:r>
+            <a:r>
+              <a:rPr lang="en-US" sz="3200" dirty="0" smtClean="0">
                 <a:solidFill>
                   <a:srgbClr val="7030A0"/>
                 </a:solidFill>
                 <a:latin typeface="Helvetica" panose="020B0604020202020204" pitchFamily="34" charset="0"/>
                 <a:cs typeface="Helvetica" panose="020B0604020202020204" pitchFamily="34" charset="0"/>
               </a:rPr>
-              <a:t>Context management </a:t>
+              <a:t>Context </a:t>
+            </a:r>
+            <a:r>
+              <a:rPr lang="en-US" sz="3200" dirty="0">
+                <a:solidFill>
+                  <a:srgbClr val="7030A0"/>
+                </a:solidFill>
+                <a:latin typeface="Helvetica" panose="020B0604020202020204" pitchFamily="34" charset="0"/>
+                <a:cs typeface="Helvetica" panose="020B0604020202020204" pitchFamily="34" charset="0"/>
+              </a:rPr>
+              <a:t>management </a:t>
             </a:r>
             <a:endParaRPr lang="en-US" sz="3200" dirty="0">
               <a:latin typeface="Helvetica" panose="020B0604020202020204" pitchFamily="34" charset="0"/>
@@ -11618,17 +12043,34 @@
                 <a:latin typeface="Helvetica" panose="020B0604020202020204" pitchFamily="34" charset="0"/>
                 <a:cs typeface="Helvetica" panose="020B0604020202020204" pitchFamily="34" charset="0"/>
               </a:rPr>
-              <a:t> -</a:t>
-            </a:r>
-            <a:r>
-              <a:rPr lang="en-US" sz="3200" dirty="0">
+              <a:t> </a:t>
+            </a:r>
+            <a:r>
+              <a:rPr lang="en-US" sz="3200" dirty="0" smtClean="0">
+                <a:latin typeface="Helvetica" panose="020B0604020202020204" pitchFamily="34" charset="0"/>
+                <a:cs typeface="Helvetica" panose="020B0604020202020204" pitchFamily="34" charset="0"/>
+              </a:rPr>
+              <a:t>- </a:t>
+            </a:r>
+            <a:r>
+              <a:rPr lang="en-US" sz="3200" dirty="0" smtClean="0">
                 <a:solidFill>
                   <a:srgbClr val="FF7A00"/>
                 </a:solidFill>
                 <a:latin typeface="Helvetica" panose="020B0604020202020204" pitchFamily="34" charset="0"/>
                 <a:cs typeface="Helvetica" panose="020B0604020202020204" pitchFamily="34" charset="0"/>
               </a:rPr>
-              <a:t>Grammatical processing </a:t>
+              <a:t>Grammatical </a:t>
+            </a:r>
+            <a:r>
+              <a:rPr lang="en-US" sz="3200" dirty="0">
+                <a:solidFill>
+                  <a:srgbClr val="FF7A00"/>
+                </a:solidFill>
+                <a:latin typeface="Helvetica" panose="020B0604020202020204" pitchFamily="34" charset="0"/>
+                <a:cs typeface="Helvetica" panose="020B0604020202020204" pitchFamily="34" charset="0"/>
+              </a:rPr>
+              <a:t>processing </a:t>
             </a:r>
             <a:endParaRPr lang="en-US" sz="3200" dirty="0">
               <a:latin typeface="Helvetica" charset="0"/>
@@ -11779,7 +12221,7 @@
             <a:r>
               <a:rPr lang="en-US" sz="3200" dirty="0">
                 <a:solidFill>
-                  <a:srgbClr val="2F5697"/>
+                  <a:srgbClr val="2E34FF"/>
                 </a:solidFill>
                 <a:latin typeface="Helvetica" charset="0"/>
                 <a:ea typeface="Helvetica" charset="0"/>
@@ -11798,7 +12240,7 @@
             <a:r>
               <a:rPr lang="en-US" sz="3200" dirty="0">
                 <a:solidFill>
-                  <a:srgbClr val="C00000"/>
+                  <a:srgbClr val="EF00A9"/>
                 </a:solidFill>
                 <a:latin typeface="Helvetica" charset="0"/>
                 <a:ea typeface="Helvetica" charset="0"/>
@@ -11890,12 +12332,20 @@
               <a:t>inverse scope access </a:t>
             </a:r>
             <a:r>
-              <a:rPr lang="en-US" sz="3200" dirty="0">
-                <a:latin typeface="Helvetica" charset="0"/>
-                <a:ea typeface="Helvetica" charset="0"/>
-                <a:cs typeface="Helvetica" charset="0"/>
-              </a:rPr>
-              <a:t>used an early-success story context, which itself shifts </a:t>
+              <a:rPr lang="en-US" sz="3200" dirty="0" smtClean="0">
+                <a:latin typeface="Helvetica" charset="0"/>
+                <a:ea typeface="Helvetica" charset="0"/>
+                <a:cs typeface="Helvetica" charset="0"/>
+              </a:rPr>
+              <a:t>using </a:t>
+            </a:r>
+            <a:r>
+              <a:rPr lang="en-US" sz="3200" dirty="0">
+                <a:latin typeface="Helvetica" charset="0"/>
+                <a:ea typeface="Helvetica" charset="0"/>
+                <a:cs typeface="Helvetica" charset="0"/>
+              </a:rPr>
+              <a:t>an early-success story context, which itself shifts </a:t>
             </a:r>
             <a:r>
               <a:rPr lang="en-US" sz="3200" dirty="0">
@@ -12062,8 +12512,21 @@
                 <a:ea typeface="Helvetica" charset="0"/>
                 <a:cs typeface="Helvetica" charset="0"/>
               </a:rPr>
-              <a:t>We predict that prior beliefs have an effect on utterance endorsement. Children’s lack of experience likely contributes to their sensitivity in the experimental contexts</a:t>
-            </a:r>
+              <a:t>We predict that prior beliefs have an effect on utterance endorsement. Children’s lack of experience likely contributes to their sensitivity in the experimental </a:t>
+            </a:r>
+            <a:r>
+              <a:rPr lang="en-US" sz="3200" dirty="0" smtClean="0">
+                <a:latin typeface="Helvetica" charset="0"/>
+                <a:ea typeface="Helvetica" charset="0"/>
+                <a:cs typeface="Helvetica" charset="0"/>
+              </a:rPr>
+              <a:t>contexts. To do:</a:t>
+            </a:r>
+            <a:endParaRPr lang="en-US" sz="3200" dirty="0">
+              <a:latin typeface="Helvetica" charset="0"/>
+              <a:ea typeface="Helvetica" charset="0"/>
+              <a:cs typeface="Helvetica" charset="0"/>
+            </a:endParaRPr>
           </a:p>
           <a:p>
             <a:r>
@@ -12115,7 +12578,15 @@
                 <a:ea typeface="Helvetica" charset="0"/>
                 <a:cs typeface="Helvetica" charset="0"/>
               </a:rPr>
-              <a:t>Computational models of language understanding lead to a clearer picture of the source of non-adult-like behavior and the pragmatic mechanism of ambiguity resolution in context</a:t>
+              <a:t>Computational models of language understanding lead to a clearer picture of the source of non-adult-like behavior and the pragmatic mechanism of ambiguity resolution in </a:t>
+            </a:r>
+            <a:r>
+              <a:rPr lang="en-US" sz="3200" dirty="0" smtClean="0">
+                <a:latin typeface="Helvetica" charset="0"/>
+                <a:ea typeface="Helvetica" charset="0"/>
+                <a:cs typeface="Helvetica" charset="0"/>
+              </a:rPr>
+              <a:t>context.</a:t>
             </a:r>
             <a:endParaRPr lang="pl-PL" sz="3200" dirty="0">
               <a:latin typeface="Helvetica" charset="0"/>
@@ -12652,23 +13123,23 @@
                 <a:ea typeface="Helvetica" charset="0"/>
                 <a:cs typeface="Helvetica" charset="0"/>
               </a:rPr>
-              <a:t>Children struggle to access inverse (</a:t>
-            </a:r>
-            <a:r>
-              <a:rPr lang="en-US" sz="3200" b="1" dirty="0">
-                <a:latin typeface="Helvetica" charset="0"/>
-                <a:ea typeface="Helvetica" charset="0"/>
-                <a:cs typeface="Helvetica" charset="0"/>
-              </a:rPr>
-              <a:t>not-all</a:t>
-            </a:r>
-            <a:r>
-              <a:rPr lang="en-US" sz="3200" dirty="0">
-                <a:latin typeface="Helvetica" charset="0"/>
-                <a:ea typeface="Helvetica" charset="0"/>
-                <a:cs typeface="Helvetica" charset="0"/>
-              </a:rPr>
-              <a:t>) scope interpretations</a:t>
+              <a:t>Children struggle to access </a:t>
+            </a:r>
+            <a:r>
+              <a:rPr lang="en-US" sz="3200" dirty="0" smtClean="0">
+                <a:latin typeface="Helvetica" charset="0"/>
+                <a:ea typeface="Helvetica" charset="0"/>
+                <a:cs typeface="Helvetica" charset="0"/>
+              </a:rPr>
+              <a:t>inverse </a:t>
+            </a:r>
+            <a:r>
+              <a:rPr lang="en-US" sz="3200" dirty="0">
+                <a:latin typeface="Helvetica" charset="0"/>
+                <a:ea typeface="Helvetica" charset="0"/>
+                <a:cs typeface="Helvetica" charset="0"/>
+              </a:rPr>
+              <a:t>scope interpretations</a:t>
             </a:r>
           </a:p>
         </p:txBody>
@@ -12865,30 +13336,62 @@
           </a:p>
         </p:txBody>
       </p:sp>
+      <p:sp>
+        <p:nvSpPr>
+          <p:cNvPr id="12" name="TextBox 11"/>
+          <p:cNvSpPr txBox="1"/>
+          <p:nvPr/>
+        </p:nvSpPr>
+        <p:spPr>
+          <a:xfrm>
+            <a:off x="11916740" y="17097349"/>
+            <a:ext cx="522514" cy="646331"/>
+          </a:xfrm>
+          <a:prstGeom prst="rect">
+            <a:avLst/>
+          </a:prstGeom>
+          <a:noFill/>
+        </p:spPr>
+        <p:txBody>
+          <a:bodyPr wrap="square" rtlCol="0">
+            <a:spAutoFit/>
+          </a:bodyPr>
+          <a:lstStyle/>
+          <a:p>
+            <a:r>
+              <a:rPr lang="en-US" sz="3600" b="1" dirty="0" smtClean="0">
+                <a:solidFill>
+                  <a:srgbClr val="FF7A00"/>
+                </a:solidFill>
+              </a:rPr>
+              <a:t>?</a:t>
+            </a:r>
+            <a:endParaRPr lang="en-US" sz="3600" b="1" dirty="0">
+              <a:solidFill>
+                <a:srgbClr val="FF7A00"/>
+              </a:solidFill>
+            </a:endParaRPr>
+          </a:p>
+        </p:txBody>
+      </p:sp>
       <p:pic>
         <p:nvPicPr>
-          <p:cNvPr id="13" name="Picture 12"/>
+          <p:cNvPr id="22" name="Picture 21"/>
           <p:cNvPicPr>
             <a:picLocks noChangeAspect="1"/>
           </p:cNvPicPr>
           <p:nvPr/>
         </p:nvPicPr>
         <p:blipFill>
-          <a:blip r:embed="rId20">
-            <a:extLst>
-              <a:ext uri="{28A0092B-C50C-407E-A947-70E740481C1C}">
-                <a14:useLocalDpi xmlns:a14="http://schemas.microsoft.com/office/drawing/2010/main" val="0"/>
-              </a:ext>
-            </a:extLst>
-          </a:blip>
+          <a:blip r:embed="rId20"/>
           <a:stretch>
             <a:fillRect/>
           </a:stretch>
         </p:blipFill>
         <p:spPr>
           <a:xfrm>
-            <a:off x="33779486" y="17667533"/>
-            <a:ext cx="441831" cy="441831"/>
+            <a:off x="6733782" y="17188350"/>
+            <a:ext cx="392785" cy="392785"/>
           </a:xfrm>
           <a:prstGeom prst="rect">
             <a:avLst/>
@@ -12897,28 +13400,22 @@
       </p:pic>
       <p:pic>
         <p:nvPicPr>
-          <p:cNvPr id="23" name="Picture 22"/>
+          <p:cNvPr id="96" name="Picture 95"/>
           <p:cNvPicPr>
             <a:picLocks noChangeAspect="1"/>
           </p:cNvPicPr>
           <p:nvPr/>
         </p:nvPicPr>
         <p:blipFill>
-          <a:blip r:embed="rId21">
-            <a:extLst>
-              <a:ext uri="{28A0092B-C50C-407E-A947-70E740481C1C}">
-                <a14:useLocalDpi xmlns:a14="http://schemas.microsoft.com/office/drawing/2010/main" val="0"/>
-              </a:ext>
-            </a:extLst>
-          </a:blip>
+          <a:blip r:embed="rId20"/>
           <a:stretch>
             <a:fillRect/>
           </a:stretch>
         </p:blipFill>
         <p:spPr>
           <a:xfrm>
-            <a:off x="34221317" y="18155630"/>
-            <a:ext cx="448993" cy="448993"/>
+            <a:off x="33831120" y="17724525"/>
+            <a:ext cx="392785" cy="392785"/>
           </a:xfrm>
           <a:prstGeom prst="rect">
             <a:avLst/>
@@ -12927,58 +13424,22 @@
       </p:pic>
       <p:pic>
         <p:nvPicPr>
-          <p:cNvPr id="109" name="Picture 108"/>
+          <p:cNvPr id="24" name="Picture 23"/>
           <p:cNvPicPr>
             <a:picLocks noChangeAspect="1"/>
           </p:cNvPicPr>
           <p:nvPr/>
         </p:nvPicPr>
         <p:blipFill>
-          <a:blip r:embed="rId20">
-            <a:extLst>
-              <a:ext uri="{28A0092B-C50C-407E-A947-70E740481C1C}">
-                <a14:useLocalDpi xmlns:a14="http://schemas.microsoft.com/office/drawing/2010/main" val="0"/>
-              </a:ext>
-            </a:extLst>
-          </a:blip>
+          <a:blip r:embed="rId21"/>
           <a:stretch>
             <a:fillRect/>
           </a:stretch>
         </p:blipFill>
         <p:spPr>
           <a:xfrm>
-            <a:off x="6695898" y="17185823"/>
-            <a:ext cx="441831" cy="441831"/>
-          </a:xfrm>
-          <a:prstGeom prst="rect">
-            <a:avLst/>
-          </a:prstGeom>
-        </p:spPr>
-      </p:pic>
-      <p:pic>
-        <p:nvPicPr>
-          <p:cNvPr id="110" name="Picture 109"/>
-          <p:cNvPicPr>
-            <a:picLocks noChangeAspect="1"/>
-          </p:cNvPicPr>
-          <p:nvPr/>
-        </p:nvPicPr>
-        <p:blipFill>
-          <a:blip r:embed="rId21">
-            <a:extLst>
-              <a:ext uri="{28A0092B-C50C-407E-A947-70E740481C1C}">
-                <a14:useLocalDpi xmlns:a14="http://schemas.microsoft.com/office/drawing/2010/main" val="0"/>
-              </a:ext>
-            </a:extLst>
-          </a:blip>
-          <a:stretch>
-            <a:fillRect/>
-          </a:stretch>
-        </p:blipFill>
-        <p:spPr>
-          <a:xfrm>
-            <a:off x="11970970" y="17182242"/>
-            <a:ext cx="448993" cy="448993"/>
+            <a:off x="34223905" y="18263630"/>
+            <a:ext cx="490785" cy="449016"/>
           </a:xfrm>
           <a:prstGeom prst="rect">
             <a:avLst/>
@@ -12995,6 +13456,13 @@
   <p:clrMapOvr>
     <a:masterClrMapping/>
   </p:clrMapOvr>
+  <p:timing>
+    <p:tnLst>
+      <p:par>
+        <p:cTn id="1" dur="indefinite" restart="never" nodeType="tmRoot"/>
+      </p:par>
+    </p:tnLst>
+  </p:timing>
 </p:sld>
 </file>
 

--- a/presentations/2017 CUNY/RSAPoster.pptx
+++ b/presentations/2017 CUNY/RSAPoster.pptx
@@ -1014,13 +1014,6 @@
         </dgm:presLayoutVars>
       </dgm:prSet>
       <dgm:spPr/>
-      <dgm:t>
-        <a:bodyPr/>
-        <a:lstStyle/>
-        <a:p>
-          <a:endParaRPr lang="en-US"/>
-        </a:p>
-      </dgm:t>
     </dgm:pt>
     <dgm:pt modelId="{E4CCFA41-F774-A94E-A04B-50D8C7DE50ED}" type="pres">
       <dgm:prSet presAssocID="{1789D647-2489-4848-9A26-235FB3D1F445}" presName="Accent1" presStyleCnt="0"/>
@@ -1050,13 +1043,6 @@
         </dgm:presLayoutVars>
       </dgm:prSet>
       <dgm:spPr/>
-      <dgm:t>
-        <a:bodyPr/>
-        <a:lstStyle/>
-        <a:p>
-          <a:endParaRPr lang="en-US"/>
-        </a:p>
-      </dgm:t>
     </dgm:pt>
     <dgm:pt modelId="{0B5AB86D-1A4C-2540-A7C7-76622F06963F}" type="pres">
       <dgm:prSet presAssocID="{F8AEA3BC-9BCC-4946-B4B7-6FC44289BCCC}" presName="Accent2" presStyleCnt="0"/>
@@ -1079,13 +1065,6 @@
         </dgm:presLayoutVars>
       </dgm:prSet>
       <dgm:spPr/>
-      <dgm:t>
-        <a:bodyPr/>
-        <a:lstStyle/>
-        <a:p>
-          <a:endParaRPr lang="en-US"/>
-        </a:p>
-      </dgm:t>
     </dgm:pt>
     <dgm:pt modelId="{59311CE0-53E6-D244-963F-31A850CD4922}" type="pres">
       <dgm:prSet presAssocID="{B7669CF0-A41E-1444-851C-485CA7C02540}" presName="Accent3" presStyleCnt="0"/>
@@ -1108,23 +1087,16 @@
         </dgm:presLayoutVars>
       </dgm:prSet>
       <dgm:spPr/>
-      <dgm:t>
-        <a:bodyPr/>
-        <a:lstStyle/>
-        <a:p>
-          <a:endParaRPr lang="en-US"/>
-        </a:p>
-      </dgm:t>
     </dgm:pt>
   </dgm:ptLst>
   <dgm:cxnLst>
-    <dgm:cxn modelId="{51370CED-5017-0642-B044-D87BC8F37D3F}" type="presOf" srcId="{F8AEA3BC-9BCC-4946-B4B7-6FC44289BCCC}" destId="{D6B48E76-4AAC-CD48-8B71-6E8F654914BB}" srcOrd="0" destOrd="0" presId="urn:microsoft.com/office/officeart/2009/layout/CircleArrowProcess"/>
-    <dgm:cxn modelId="{73215FFA-C57A-C543-AA35-4CE9EEE844E7}" type="presOf" srcId="{1789D647-2489-4848-9A26-235FB3D1F445}" destId="{70886D2B-160E-C44F-B061-82C93659D59B}" srcOrd="0" destOrd="0" presId="urn:microsoft.com/office/officeart/2009/layout/CircleArrowProcess"/>
+    <dgm:cxn modelId="{92A58827-15F8-7E4B-AE37-21C40438A6ED}" srcId="{EC01D706-F017-FD44-88D8-6905872D61FE}" destId="{1789D647-2489-4848-9A26-235FB3D1F445}" srcOrd="0" destOrd="0" parTransId="{34DCF5B2-51D9-014D-AA80-13430F13CC75}" sibTransId="{72C663D2-9591-BA4D-A349-8D8BC9DDC2FC}"/>
     <dgm:cxn modelId="{D4B96F52-BD79-F446-AA12-8F796CD6BA96}" srcId="{EC01D706-F017-FD44-88D8-6905872D61FE}" destId="{F8AEA3BC-9BCC-4946-B4B7-6FC44289BCCC}" srcOrd="1" destOrd="0" parTransId="{03D13353-7593-D643-AF0E-CE20F814132B}" sibTransId="{DD10A488-A756-BA4C-B2EB-3B00C4B12F82}"/>
     <dgm:cxn modelId="{BBA421CB-39ED-9A42-9257-255536678001}" type="presOf" srcId="{B7669CF0-A41E-1444-851C-485CA7C02540}" destId="{7F6AADFB-2451-E54A-BF72-CB3083280E92}" srcOrd="0" destOrd="0" presId="urn:microsoft.com/office/officeart/2009/layout/CircleArrowProcess"/>
     <dgm:cxn modelId="{BB4796D1-AB16-B146-81B7-D19385836730}" srcId="{EC01D706-F017-FD44-88D8-6905872D61FE}" destId="{B7669CF0-A41E-1444-851C-485CA7C02540}" srcOrd="2" destOrd="0" parTransId="{FF660795-3A5A-6A49-A9E8-DFDE5D70F409}" sibTransId="{C0D21771-88C4-E442-B3B2-6B04B603237A}"/>
-    <dgm:cxn modelId="{92A58827-15F8-7E4B-AE37-21C40438A6ED}" srcId="{EC01D706-F017-FD44-88D8-6905872D61FE}" destId="{1789D647-2489-4848-9A26-235FB3D1F445}" srcOrd="0" destOrd="0" parTransId="{34DCF5B2-51D9-014D-AA80-13430F13CC75}" sibTransId="{72C663D2-9591-BA4D-A349-8D8BC9DDC2FC}"/>
+    <dgm:cxn modelId="{51370CED-5017-0642-B044-D87BC8F37D3F}" type="presOf" srcId="{F8AEA3BC-9BCC-4946-B4B7-6FC44289BCCC}" destId="{D6B48E76-4AAC-CD48-8B71-6E8F654914BB}" srcOrd="0" destOrd="0" presId="urn:microsoft.com/office/officeart/2009/layout/CircleArrowProcess"/>
     <dgm:cxn modelId="{D9DB7BEF-9CDD-0942-86BE-B8EB966D478C}" type="presOf" srcId="{EC01D706-F017-FD44-88D8-6905872D61FE}" destId="{3B8CBF02-C333-1D4B-9642-84564CD7F192}" srcOrd="0" destOrd="0" presId="urn:microsoft.com/office/officeart/2009/layout/CircleArrowProcess"/>
+    <dgm:cxn modelId="{73215FFA-C57A-C543-AA35-4CE9EEE844E7}" type="presOf" srcId="{1789D647-2489-4848-9A26-235FB3D1F445}" destId="{70886D2B-160E-C44F-B061-82C93659D59B}" srcOrd="0" destOrd="0" presId="urn:microsoft.com/office/officeart/2009/layout/CircleArrowProcess"/>
     <dgm:cxn modelId="{112353DD-162D-BF4F-9E69-FA161EE81244}" type="presParOf" srcId="{3B8CBF02-C333-1D4B-9642-84564CD7F192}" destId="{E4CCFA41-F774-A94E-A04B-50D8C7DE50ED}" srcOrd="0" destOrd="0" presId="urn:microsoft.com/office/officeart/2009/layout/CircleArrowProcess"/>
     <dgm:cxn modelId="{7D13368E-9BA7-4D4B-A5D2-070F9719ED54}" type="presParOf" srcId="{E4CCFA41-F774-A94E-A04B-50D8C7DE50ED}" destId="{794855B9-E1C7-EA44-A3C5-969D1C853DE2}" srcOrd="0" destOrd="0" presId="urn:microsoft.com/office/officeart/2009/layout/CircleArrowProcess"/>
     <dgm:cxn modelId="{7FFC9FF4-3945-E94C-B48D-DD6ACCCBD674}" type="presParOf" srcId="{3B8CBF02-C333-1D4B-9642-84564CD7F192}" destId="{70886D2B-160E-C44F-B061-82C93659D59B}" srcOrd="1" destOrd="0" presId="urn:microsoft.com/office/officeart/2009/layout/CircleArrowProcess"/>
@@ -1240,7 +1212,7 @@
         </a:bodyPr>
         <a:lstStyle/>
         <a:p>
-          <a:pPr lvl="0" algn="ctr" defTabSz="977900">
+          <a:pPr marL="0" lvl="0" indent="0" algn="ctr" defTabSz="977900">
             <a:lnSpc>
               <a:spcPct val="90000"/>
             </a:lnSpc>
@@ -1250,6 +1222,7 @@
             <a:spcAft>
               <a:spcPct val="35000"/>
             </a:spcAft>
+            <a:buNone/>
           </a:pPr>
           <a:r>
             <a:rPr lang="en-US" sz="2200" kern="1200" dirty="0"/>
@@ -1257,7 +1230,7 @@
           </a:r>
         </a:p>
         <a:p>
-          <a:pPr lvl="0" algn="ctr" defTabSz="977900">
+          <a:pPr marL="0" lvl="0" indent="0" algn="ctr" defTabSz="977900">
             <a:lnSpc>
               <a:spcPct val="90000"/>
             </a:lnSpc>
@@ -1267,6 +1240,7 @@
             <a:spcAft>
               <a:spcPct val="35000"/>
             </a:spcAft>
+            <a:buNone/>
           </a:pPr>
           <a:r>
             <a:rPr lang="en-US" sz="2200" kern="1200" dirty="0"/>
@@ -1358,7 +1332,7 @@
         </a:bodyPr>
         <a:lstStyle/>
         <a:p>
-          <a:pPr lvl="0" algn="ctr" defTabSz="977900">
+          <a:pPr marL="0" lvl="0" indent="0" algn="ctr" defTabSz="977900">
             <a:lnSpc>
               <a:spcPct val="90000"/>
             </a:lnSpc>
@@ -1368,6 +1342,7 @@
             <a:spcAft>
               <a:spcPct val="35000"/>
             </a:spcAft>
+            <a:buNone/>
           </a:pPr>
           <a:r>
             <a:rPr lang="en-US" sz="2200" kern="1200" dirty="0"/>
@@ -1457,7 +1432,7 @@
         </a:bodyPr>
         <a:lstStyle/>
         <a:p>
-          <a:pPr lvl="0" algn="ctr" defTabSz="977900">
+          <a:pPr marL="0" lvl="0" indent="0" algn="ctr" defTabSz="977900">
             <a:lnSpc>
               <a:spcPct val="90000"/>
             </a:lnSpc>
@@ -1467,6 +1442,7 @@
             <a:spcAft>
               <a:spcPct val="35000"/>
             </a:spcAft>
+            <a:buNone/>
           </a:pPr>
           <a:r>
             <a:rPr lang="en-US" sz="2200" kern="1200" dirty="0"/>
@@ -4702,7 +4678,7 @@
           <a:p>
             <a:fld id="{69CE500B-FF5B-4B28-95C2-E41CE5CE306B}" type="datetimeFigureOut">
               <a:rPr lang="en-US" smtClean="0"/>
-              <a:t>3/21/17</a:t>
+              <a:t>3/23/2017</a:t>
             </a:fld>
             <a:endParaRPr lang="en-US"/>
           </a:p>
@@ -5013,27 +4989,7 @@
           <a:bodyPr/>
           <a:lstStyle/>
           <a:p>
-            <a:r>
-              <a:rPr lang="en-US" dirty="0"/>
-              <a:t>Keep side by side plot.  Make graphs smaller.  Include all the equations for the model.  Bullet points for each paragraph of the discussion section.  Talk more about experimental manipulations.  Example of affirmative context.  Making QUD salient.  Priming bullet point in general.  Need to talk more about how the priming studies impact. Pragmatic factors one color, processing factor another color.  Picture of horse, after shrinking results graph.  The Bridge: explain something that would be characteristically explained with an online model.  Incremental and </a:t>
-            </a:r>
-            <a:r>
-              <a:rPr lang="en-US" dirty="0" err="1"/>
-              <a:t>atemporal</a:t>
-            </a:r>
-            <a:r>
-              <a:rPr lang="en-US" dirty="0"/>
-              <a:t>.  You can incorporate processing ideas into an RSA model, and learn something.  Value in incorporating processing factors into computational level models.  “more complete theory of language understanding.”  Incorporating processing into computational level models (descriptions) of language understanding.  Incorporate updates.  Colors for pragmatic vs processing factors </a:t>
-            </a:r>
-          </a:p>
-          <a:p>
             <a:endParaRPr lang="en-US" dirty="0"/>
-          </a:p>
-          <a:p>
-            <a:r>
-              <a:rPr lang="en-US" dirty="0"/>
-              <a:t>Vertical space of first column</a:t>
-            </a:r>
           </a:p>
         </p:txBody>
       </p:sp>
@@ -5204,7 +5160,7 @@
           <a:p>
             <a:fld id="{DE94126C-84A0-4B2B-A8D1-685EF76357B6}" type="datetimeFigureOut">
               <a:rPr lang="en-US" smtClean="0"/>
-              <a:t>3/21/17</a:t>
+              <a:t>3/23/2017</a:t>
             </a:fld>
             <a:endParaRPr lang="en-US"/>
           </a:p>
@@ -5374,7 +5330,7 @@
           <a:p>
             <a:fld id="{DE94126C-84A0-4B2B-A8D1-685EF76357B6}" type="datetimeFigureOut">
               <a:rPr lang="en-US" smtClean="0"/>
-              <a:t>3/21/17</a:t>
+              <a:t>3/23/2017</a:t>
             </a:fld>
             <a:endParaRPr lang="en-US"/>
           </a:p>
@@ -5554,7 +5510,7 @@
           <a:p>
             <a:fld id="{DE94126C-84A0-4B2B-A8D1-685EF76357B6}" type="datetimeFigureOut">
               <a:rPr lang="en-US" smtClean="0"/>
-              <a:t>3/21/17</a:t>
+              <a:t>3/23/2017</a:t>
             </a:fld>
             <a:endParaRPr lang="en-US"/>
           </a:p>
@@ -5724,7 +5680,7 @@
           <a:p>
             <a:fld id="{DE94126C-84A0-4B2B-A8D1-685EF76357B6}" type="datetimeFigureOut">
               <a:rPr lang="en-US" smtClean="0"/>
-              <a:t>3/21/17</a:t>
+              <a:t>3/23/2017</a:t>
             </a:fld>
             <a:endParaRPr lang="en-US"/>
           </a:p>
@@ -5968,7 +5924,7 @@
           <a:p>
             <a:fld id="{DE94126C-84A0-4B2B-A8D1-685EF76357B6}" type="datetimeFigureOut">
               <a:rPr lang="en-US" smtClean="0"/>
-              <a:t>3/21/17</a:t>
+              <a:t>3/23/2017</a:t>
             </a:fld>
             <a:endParaRPr lang="en-US"/>
           </a:p>
@@ -6200,7 +6156,7 @@
           <a:p>
             <a:fld id="{DE94126C-84A0-4B2B-A8D1-685EF76357B6}" type="datetimeFigureOut">
               <a:rPr lang="en-US" smtClean="0"/>
-              <a:t>3/21/17</a:t>
+              <a:t>3/23/2017</a:t>
             </a:fld>
             <a:endParaRPr lang="en-US"/>
           </a:p>
@@ -6567,7 +6523,7 @@
           <a:p>
             <a:fld id="{DE94126C-84A0-4B2B-A8D1-685EF76357B6}" type="datetimeFigureOut">
               <a:rPr lang="en-US" smtClean="0"/>
-              <a:t>3/21/17</a:t>
+              <a:t>3/23/2017</a:t>
             </a:fld>
             <a:endParaRPr lang="en-US"/>
           </a:p>
@@ -6685,7 +6641,7 @@
           <a:p>
             <a:fld id="{DE94126C-84A0-4B2B-A8D1-685EF76357B6}" type="datetimeFigureOut">
               <a:rPr lang="en-US" smtClean="0"/>
-              <a:t>3/21/17</a:t>
+              <a:t>3/23/2017</a:t>
             </a:fld>
             <a:endParaRPr lang="en-US"/>
           </a:p>
@@ -6780,7 +6736,7 @@
           <a:p>
             <a:fld id="{DE94126C-84A0-4B2B-A8D1-685EF76357B6}" type="datetimeFigureOut">
               <a:rPr lang="en-US" smtClean="0"/>
-              <a:t>3/21/17</a:t>
+              <a:t>3/23/2017</a:t>
             </a:fld>
             <a:endParaRPr lang="en-US"/>
           </a:p>
@@ -7057,7 +7013,7 @@
           <a:p>
             <a:fld id="{DE94126C-84A0-4B2B-A8D1-685EF76357B6}" type="datetimeFigureOut">
               <a:rPr lang="en-US" smtClean="0"/>
-              <a:t>3/21/17</a:t>
+              <a:t>3/23/2017</a:t>
             </a:fld>
             <a:endParaRPr lang="en-US"/>
           </a:p>
@@ -7314,7 +7270,7 @@
           <a:p>
             <a:fld id="{DE94126C-84A0-4B2B-A8D1-685EF76357B6}" type="datetimeFigureOut">
               <a:rPr lang="en-US" smtClean="0"/>
-              <a:t>3/21/17</a:t>
+              <a:t>3/23/2017</a:t>
             </a:fld>
             <a:endParaRPr lang="en-US"/>
           </a:p>
@@ -7527,7 +7483,7 @@
           <a:p>
             <a:fld id="{DE94126C-84A0-4B2B-A8D1-685EF76357B6}" type="datetimeFigureOut">
               <a:rPr lang="en-US" smtClean="0"/>
-              <a:t>3/21/17</a:t>
+              <a:t>3/23/2017</a:t>
             </a:fld>
             <a:endParaRPr lang="en-US"/>
           </a:p>
@@ -8480,26 +8436,10 @@
                 <a:ea typeface="Helvetica" charset="0"/>
                 <a:cs typeface="Helvetica" charset="0"/>
               </a:rPr>
-              <a:t>Adults assign two interpretations to a </a:t>
-            </a:r>
-            <a:r>
-              <a:rPr lang="en-US" sz="3200" dirty="0" smtClean="0">
-                <a:latin typeface="Helvetica" charset="0"/>
-                <a:ea typeface="Helvetica" charset="0"/>
-                <a:cs typeface="Helvetica" charset="0"/>
-              </a:rPr>
-              <a:t>sentence </a:t>
-            </a:r>
-            <a:r>
-              <a:rPr lang="en-US" sz="3200" dirty="0">
-                <a:latin typeface="Helvetica" charset="0"/>
-                <a:ea typeface="Helvetica" charset="0"/>
-                <a:cs typeface="Helvetica" charset="0"/>
-              </a:rPr>
-              <a:t>like </a:t>
-            </a:r>
-            <a:r>
-              <a:rPr lang="en-US" sz="3200" dirty="0" err="1" smtClean="0">
+              <a:t>Adults assign two interpretations to a sentence like </a:t>
+            </a:r>
+            <a:r>
+              <a:rPr lang="en-US" sz="3200" dirty="0" err="1">
                 <a:latin typeface="Courier" charset="0"/>
                 <a:ea typeface="Courier" charset="0"/>
                 <a:cs typeface="Courier" charset="0"/>
@@ -8638,7 +8578,7 @@
               <a:t>  - They appear to struggle to access the </a:t>
             </a:r>
             <a:r>
-              <a:rPr lang="en-US" sz="3200" b="1" dirty="0" smtClean="0">
+              <a:rPr lang="en-US" sz="3200" b="1" dirty="0">
                 <a:latin typeface="Helvetica" charset="0"/>
                 <a:ea typeface="Helvetica" charset="0"/>
                 <a:cs typeface="Helvetica" charset="0"/>
@@ -8651,31 +8591,7 @@
                 <a:ea typeface="Helvetica" charset="0"/>
                 <a:cs typeface="Helvetica" charset="0"/>
               </a:rPr>
-              <a:t> </a:t>
-            </a:r>
-            <a:r>
-              <a:rPr lang="en-US" sz="3200" dirty="0" smtClean="0">
-                <a:latin typeface="Helvetica" charset="0"/>
-                <a:ea typeface="Helvetica" charset="0"/>
-                <a:cs typeface="Helvetica" charset="0"/>
-              </a:rPr>
-              <a:t>(</a:t>
-            </a:r>
-            <a:r>
-              <a:rPr lang="en-US" sz="3200" dirty="0" smtClean="0">
-                <a:latin typeface="Helvetica" charset="0"/>
-                <a:ea typeface="Helvetica" charset="0"/>
-                <a:cs typeface="Helvetica" charset="0"/>
-              </a:rPr>
-              <a:t>inverse) </a:t>
-            </a:r>
-            <a:r>
-              <a:rPr lang="en-US" sz="3200" dirty="0">
-                <a:latin typeface="Helvetica" charset="0"/>
-                <a:ea typeface="Helvetica" charset="0"/>
-                <a:cs typeface="Helvetica" charset="0"/>
-              </a:rPr>
-              <a:t>scope</a:t>
+              <a:t> (inverse) scope</a:t>
             </a:r>
           </a:p>
         </p:txBody>
@@ -8776,15 +8692,7 @@
                 <a:ea typeface="Helvetica" charset="0"/>
                 <a:cs typeface="Helvetica" charset="0"/>
               </a:rPr>
-              <a:t>	the horses try to jump over a </a:t>
-            </a:r>
-            <a:r>
-              <a:rPr lang="en-US" sz="3200" dirty="0" smtClean="0">
-                <a:latin typeface="Helvetica" charset="0"/>
-                <a:ea typeface="Helvetica" charset="0"/>
-                <a:cs typeface="Helvetica" charset="0"/>
-              </a:rPr>
-              <a:t>fence.</a:t>
+              <a:t>	the horses try to jump over a fence.</a:t>
             </a:r>
             <a:endParaRPr lang="en-US" sz="500" dirty="0">
               <a:latin typeface="Helvetica" charset="0"/>
@@ -8827,7 +8735,7 @@
               <a:t>amb</a:t>
             </a:r>
             <a:r>
-              <a:rPr lang="en-US" sz="3200" dirty="0" smtClean="0">
+              <a:rPr lang="en-US" sz="3200" dirty="0">
                 <a:latin typeface="Helvetica" charset="0"/>
                 <a:ea typeface="Helvetica" charset="0"/>
                 <a:cs typeface="Helvetica" charset="0"/>
@@ -8864,15 +8772,7 @@
                 <a:ea typeface="Helvetica" charset="0"/>
                 <a:cs typeface="Helvetica" charset="0"/>
               </a:rPr>
-              <a:t>    puppet’s utterance was </a:t>
-            </a:r>
-            <a:r>
-              <a:rPr lang="en-US" sz="3200" dirty="0" smtClean="0">
-                <a:latin typeface="Helvetica" charset="0"/>
-                <a:ea typeface="Helvetica" charset="0"/>
-                <a:cs typeface="Helvetica" charset="0"/>
-              </a:rPr>
-              <a:t>true.</a:t>
+              <a:t>    puppet’s utterance was true.</a:t>
             </a:r>
             <a:endParaRPr lang="en-US" sz="500" dirty="0">
               <a:latin typeface="Helvetica" charset="0"/>
@@ -8912,21 +8812,8 @@
                 <a:ea typeface="Helvetica" charset="0"/>
                 <a:cs typeface="Helvetica" charset="0"/>
               </a:rPr>
-              <a:t> the utterance as a true description of the </a:t>
-            </a:r>
-            <a:r>
-              <a:rPr lang="en-US" sz="3200" dirty="0" smtClean="0">
-                <a:latin typeface="Helvetica" charset="0"/>
-                <a:ea typeface="Helvetica" charset="0"/>
-                <a:cs typeface="Helvetica" charset="0"/>
-              </a:rPr>
-              <a:t>scene.</a:t>
-            </a:r>
-            <a:endParaRPr lang="en-US" sz="3200" dirty="0">
-              <a:latin typeface="Helvetica" charset="0"/>
-              <a:ea typeface="Helvetica" charset="0"/>
-              <a:cs typeface="Helvetica" charset="0"/>
-            </a:endParaRPr>
+              <a:t> the utterance as a true description of the scene.</a:t>
+            </a:r>
           </a:p>
         </p:txBody>
       </p:sp>
@@ -9435,21 +9322,8 @@
                 <a:ea typeface="Helvetica" charset="0"/>
                 <a:cs typeface="Helvetica" charset="0"/>
               </a:rPr>
-              <a:t> for </a:t>
-            </a:r>
-            <a:r>
-              <a:rPr lang="en-US" sz="3200" dirty="0" smtClean="0">
-                <a:latin typeface="Helvetica" charset="0"/>
-                <a:ea typeface="Helvetica" charset="0"/>
-                <a:cs typeface="Helvetica" charset="0"/>
-              </a:rPr>
-              <a:t>communication.</a:t>
-            </a:r>
-            <a:endParaRPr lang="en-US" sz="3200" dirty="0">
-              <a:latin typeface="Helvetica" charset="0"/>
-              <a:ea typeface="Helvetica" charset="0"/>
-              <a:cs typeface="Helvetica" charset="0"/>
-            </a:endParaRPr>
+              <a:t> for communication.</a:t>
+            </a:r>
           </a:p>
           <a:p>
             <a:r>
@@ -9468,21 +9342,8 @@
                 <a:ea typeface="Helvetica" charset="0"/>
                 <a:cs typeface="Helvetica" charset="0"/>
               </a:rPr>
-              <a:t>	(w=0 or w≠3) is informative for shifting beliefs </a:t>
-            </a:r>
-            <a:r>
-              <a:rPr lang="en-US" sz="3200" dirty="0" smtClean="0">
-                <a:latin typeface="Helvetica" charset="0"/>
-                <a:ea typeface="Helvetica" charset="0"/>
-                <a:cs typeface="Helvetica" charset="0"/>
-              </a:rPr>
-              <a:t>away.</a:t>
-            </a:r>
-            <a:endParaRPr lang="en-US" sz="3200" dirty="0">
-              <a:latin typeface="Helvetica" charset="0"/>
-              <a:ea typeface="Helvetica" charset="0"/>
-              <a:cs typeface="Helvetica" charset="0"/>
-            </a:endParaRPr>
+              <a:t>	(w=0 or w≠3) is informative for shifting beliefs away.</a:t>
+            </a:r>
           </a:p>
           <a:p>
             <a:r>
@@ -9515,21 +9376,8 @@
                 <a:ea typeface="Helvetica" charset="0"/>
                 <a:cs typeface="Helvetica" charset="0"/>
               </a:rPr>
-              <a:t>,   	either interpretation (w=0 or w≠3) accomplishes this goal: answer = </a:t>
-            </a:r>
-            <a:r>
-              <a:rPr lang="en-US" sz="3200" dirty="0" smtClean="0">
-                <a:latin typeface="Helvetica" charset="0"/>
-                <a:ea typeface="Helvetica" charset="0"/>
-                <a:cs typeface="Helvetica" charset="0"/>
-              </a:rPr>
-              <a:t>no.</a:t>
-            </a:r>
-            <a:endParaRPr lang="en-US" sz="3200" dirty="0">
-              <a:latin typeface="Helvetica" charset="0"/>
-              <a:ea typeface="Helvetica" charset="0"/>
-              <a:cs typeface="Helvetica" charset="0"/>
-            </a:endParaRPr>
+              <a:t>,   	either interpretation (w=0 or w≠3) accomplishes this goal: answer = no.</a:t>
+            </a:r>
           </a:p>
         </p:txBody>
       </p:sp>
@@ -9807,47 +9655,7 @@
                 <a:ea typeface="Helvetica" charset="0"/>
                 <a:cs typeface="Helvetica" charset="0"/>
               </a:rPr>
-              <a:t>  </a:t>
-            </a:r>
-            <a:r>
-              <a:rPr lang="en-US" sz="3200" dirty="0" smtClean="0">
-                <a:latin typeface="Helvetica" charset="0"/>
-                <a:ea typeface="Helvetica" charset="0"/>
-                <a:cs typeface="Helvetica" charset="0"/>
-              </a:rPr>
-              <a:t>(1)</a:t>
-            </a:r>
-            <a:r>
-              <a:rPr lang="en-US" sz="3200" dirty="0" smtClean="0">
-                <a:latin typeface="Helvetica" charset="0"/>
-                <a:ea typeface="Helvetica" charset="0"/>
-                <a:cs typeface="Helvetica" charset="0"/>
-              </a:rPr>
-              <a:t> </a:t>
-            </a:r>
-            <a:r>
-              <a:rPr lang="en-US" sz="3200" dirty="0">
-                <a:latin typeface="Helvetica" charset="0"/>
-                <a:ea typeface="Helvetica" charset="0"/>
-                <a:cs typeface="Helvetica" charset="0"/>
-              </a:rPr>
-              <a:t>E</a:t>
-            </a:r>
-            <a:r>
-              <a:rPr lang="en-US" sz="3200" dirty="0" smtClean="0">
-                <a:latin typeface="Helvetica" charset="0"/>
-                <a:ea typeface="Helvetica" charset="0"/>
-                <a:cs typeface="Helvetica" charset="0"/>
-              </a:rPr>
-              <a:t>xplicitly </a:t>
-            </a:r>
-            <a:r>
-              <a:rPr lang="en-US" sz="3200" dirty="0">
-                <a:latin typeface="Helvetica" charset="0"/>
-                <a:ea typeface="Helvetica" charset="0"/>
-                <a:cs typeface="Helvetica" charset="0"/>
-              </a:rPr>
-              <a:t>in the test utterance (Musolino &amp; Lidz, 2006)</a:t>
+              <a:t>  (1) Explicitly in the test utterance (Musolino &amp; Lidz, 2006)</a:t>
             </a:r>
           </a:p>
           <a:p>
@@ -9915,47 +9723,7 @@
                 <a:ea typeface="Helvetica" charset="0"/>
                 <a:cs typeface="Helvetica" charset="0"/>
               </a:rPr>
-              <a:t>  </a:t>
-            </a:r>
-            <a:r>
-              <a:rPr lang="en-US" sz="3200" dirty="0" smtClean="0">
-                <a:latin typeface="Helvetica" charset="0"/>
-                <a:ea typeface="Helvetica" charset="0"/>
-                <a:cs typeface="Helvetica" charset="0"/>
-              </a:rPr>
-              <a:t>(2)</a:t>
-            </a:r>
-            <a:r>
-              <a:rPr lang="en-US" sz="3200" dirty="0" smtClean="0">
-                <a:latin typeface="Helvetica" charset="0"/>
-                <a:ea typeface="Helvetica" charset="0"/>
-                <a:cs typeface="Helvetica" charset="0"/>
-              </a:rPr>
-              <a:t> </a:t>
-            </a:r>
-            <a:r>
-              <a:rPr lang="en-US" sz="3200" dirty="0">
-                <a:latin typeface="Helvetica" charset="0"/>
-                <a:ea typeface="Helvetica" charset="0"/>
-                <a:cs typeface="Helvetica" charset="0"/>
-              </a:rPr>
-              <a:t>P</a:t>
-            </a:r>
-            <a:r>
-              <a:rPr lang="en-US" sz="3200" dirty="0" smtClean="0">
-                <a:latin typeface="Helvetica" charset="0"/>
-                <a:ea typeface="Helvetica" charset="0"/>
-                <a:cs typeface="Helvetica" charset="0"/>
-              </a:rPr>
-              <a:t>reviously </a:t>
-            </a:r>
-            <a:r>
-              <a:rPr lang="en-US" sz="3200" dirty="0">
-                <a:latin typeface="Helvetica" charset="0"/>
-                <a:ea typeface="Helvetica" charset="0"/>
-                <a:cs typeface="Helvetica" charset="0"/>
-              </a:rPr>
-              <a:t>in the story context  </a:t>
+              <a:t>  (2) Previously in the story context  </a:t>
             </a:r>
             <a:r>
               <a:rPr lang="en-US" sz="3200" dirty="0">
@@ -9980,7 +9748,7 @@
               <a:t>	</a:t>
             </a:r>
             <a:r>
-              <a:rPr lang="en-US" sz="3200" dirty="0" smtClean="0">
+              <a:rPr lang="en-US" sz="3200" dirty="0">
                 <a:solidFill>
                   <a:srgbClr val="FF0000"/>
                 </a:solidFill>
@@ -9988,40 +9756,7 @@
                 <a:ea typeface="Helvetica" charset="0"/>
                 <a:cs typeface="Helvetica" charset="0"/>
               </a:rPr>
-              <a:t>(T</a:t>
-            </a:r>
-            <a:r>
-              <a:rPr lang="en-US" sz="3200" dirty="0" smtClean="0">
-                <a:solidFill>
-                  <a:srgbClr val="FF0000"/>
-                </a:solidFill>
-                <a:latin typeface="Helvetica" charset="0"/>
-                <a:ea typeface="Helvetica" charset="0"/>
-                <a:cs typeface="Helvetica" charset="0"/>
-              </a:rPr>
-              <a:t>he </a:t>
-            </a:r>
-            <a:r>
-              <a:rPr lang="en-US" sz="3200" dirty="0">
-                <a:solidFill>
-                  <a:srgbClr val="FF0000"/>
-                </a:solidFill>
-                <a:latin typeface="Helvetica" charset="0"/>
-                <a:ea typeface="Helvetica" charset="0"/>
-                <a:cs typeface="Helvetica" charset="0"/>
-              </a:rPr>
-              <a:t>horses succeeded at some earlier task in the </a:t>
-            </a:r>
-            <a:r>
-              <a:rPr lang="en-US" sz="3200" dirty="0" smtClean="0">
-                <a:solidFill>
-                  <a:srgbClr val="FF0000"/>
-                </a:solidFill>
-                <a:latin typeface="Helvetica" charset="0"/>
-                <a:ea typeface="Helvetica" charset="0"/>
-                <a:cs typeface="Helvetica" charset="0"/>
-              </a:rPr>
-              <a:t>story)</a:t>
+              <a:t>(The horses succeeded at some earlier task in the story)</a:t>
             </a:r>
             <a:endParaRPr lang="en-US" sz="500" dirty="0">
               <a:solidFill>
@@ -10383,37 +10118,8 @@
                 <a:ea typeface="Helvetica" charset="0"/>
                 <a:cs typeface="Helvetica" charset="0"/>
               </a:rPr>
-              <a:t>We identify and separate the contributions of these two factors in an articulated formal model of ambiguity resolution as pragmatic inference </a:t>
-            </a:r>
-            <a:r>
-              <a:rPr lang="en-US" sz="3500" dirty="0" smtClean="0">
-                <a:latin typeface="Helvetica" charset="0"/>
-                <a:ea typeface="Helvetica" charset="0"/>
-                <a:cs typeface="Helvetica" charset="0"/>
-              </a:rPr>
-              <a:t>in order to </a:t>
-            </a:r>
-            <a:r>
-              <a:rPr lang="en-US" sz="3500" dirty="0">
-                <a:latin typeface="Helvetica" charset="0"/>
-                <a:ea typeface="Helvetica" charset="0"/>
-                <a:cs typeface="Helvetica" charset="0"/>
-              </a:rPr>
-              <a:t>diagnose the impact of grammatical </a:t>
-            </a:r>
-            <a:r>
-              <a:rPr lang="en-US" sz="3500" dirty="0" smtClean="0">
-                <a:latin typeface="Helvetica" charset="0"/>
-                <a:ea typeface="Helvetica" charset="0"/>
-                <a:cs typeface="Helvetica" charset="0"/>
-              </a:rPr>
-              <a:t>processing. </a:t>
-            </a:r>
-            <a:endParaRPr lang="en-US" sz="3500" dirty="0">
-              <a:latin typeface="Helvetica" charset="0"/>
-              <a:ea typeface="Helvetica" charset="0"/>
-              <a:cs typeface="Helvetica" charset="0"/>
-            </a:endParaRPr>
+              <a:t>We identify and separate the contributions of these two factors in an articulated formal model of ambiguity resolution as pragmatic inference in order to diagnose the impact of grammatical processing. </a:t>
+            </a:r>
           </a:p>
         </p:txBody>
       </p:sp>
@@ -10488,20 +10194,12 @@
           </a:p>
           <a:p>
             <a:r>
-              <a:rPr lang="en-US" sz="3200" dirty="0" smtClean="0">
+              <a:rPr lang="en-US" sz="3200" dirty="0">
                 <a:latin typeface="Helvetica" panose="020B0604020202020204" pitchFamily="34" charset="0"/>
                 <a:ea typeface="Helvetica" charset="0"/>
                 <a:cs typeface="Helvetica" panose="020B0604020202020204" pitchFamily="34" charset="0"/>
               </a:rPr>
-              <a:t> </a:t>
-            </a:r>
-            <a:r>
-              <a:rPr lang="en-US" sz="3200" dirty="0">
-                <a:latin typeface="Helvetica" panose="020B0604020202020204" pitchFamily="34" charset="0"/>
-                <a:ea typeface="Helvetica" charset="0"/>
-                <a:cs typeface="Helvetica" panose="020B0604020202020204" pitchFamily="34" charset="0"/>
-              </a:rPr>
-              <a:t>- Limited </a:t>
+              <a:t> - Limited </a:t>
             </a:r>
             <a:r>
               <a:rPr lang="en-US" sz="3200" dirty="0">
@@ -10546,7 +10244,7 @@
           </a:p>
           <a:p>
             <a:r>
-              <a:rPr lang="en-US" sz="3200" dirty="0" smtClean="0">
+              <a:rPr lang="en-US" sz="3200" dirty="0">
                 <a:latin typeface="Helvetica" panose="020B0604020202020204" pitchFamily="34" charset="0"/>
                 <a:ea typeface="Helvetica" charset="0"/>
                 <a:cs typeface="Helvetica" panose="020B0604020202020204" pitchFamily="34" charset="0"/>
@@ -10554,7 +10252,7 @@
               <a:t>  - Limited </a:t>
             </a:r>
             <a:r>
-              <a:rPr lang="en-US" sz="3200" dirty="0" smtClean="0">
+              <a:rPr lang="en-US" sz="3200" dirty="0">
                 <a:solidFill>
                   <a:srgbClr val="FF7A00"/>
                 </a:solidFill>
@@ -10565,21 +10263,21 @@
               <a:t>grammatical processing resources </a:t>
             </a:r>
             <a:r>
-              <a:rPr lang="en-US" sz="3200" dirty="0" smtClean="0">
+              <a:rPr lang="en-US" sz="3200" dirty="0">
                 <a:latin typeface="Helvetica" panose="020B0604020202020204" pitchFamily="34" charset="0"/>
                 <a:cs typeface="Helvetica" panose="020B0604020202020204" pitchFamily="34" charset="0"/>
               </a:rPr>
               <a:t>(</a:t>
             </a:r>
             <a:r>
-              <a:rPr lang="en-US" sz="3200" dirty="0" err="1" smtClean="0">
+              <a:rPr lang="en-US" sz="3200" dirty="0" err="1">
                 <a:latin typeface="Helvetica" panose="020B0604020202020204" pitchFamily="34" charset="0"/>
                 <a:cs typeface="Helvetica" panose="020B0604020202020204" pitchFamily="34" charset="0"/>
               </a:rPr>
               <a:t>Viau</a:t>
             </a:r>
             <a:r>
-              <a:rPr lang="en-US" sz="3200" dirty="0" smtClean="0">
+              <a:rPr lang="en-US" sz="3200" dirty="0">
                 <a:latin typeface="Helvetica" panose="020B0604020202020204" pitchFamily="34" charset="0"/>
                 <a:cs typeface="Helvetica" panose="020B0604020202020204" pitchFamily="34" charset="0"/>
               </a:rPr>
@@ -10608,17 +10306,7 @@
                 <a:latin typeface="Helvetica" panose="020B0604020202020204" pitchFamily="34" charset="0"/>
                 <a:cs typeface="Helvetica" panose="020B0604020202020204" pitchFamily="34" charset="0"/>
               </a:rPr>
-              <a:t>Context management </a:t>
-            </a:r>
-            <a:r>
-              <a:rPr lang="en-US" sz="3200" dirty="0" smtClean="0">
-                <a:solidFill>
-                  <a:srgbClr val="7030A0"/>
-                </a:solidFill>
-                <a:latin typeface="Helvetica" panose="020B0604020202020204" pitchFamily="34" charset="0"/>
-                <a:cs typeface="Helvetica" panose="020B0604020202020204" pitchFamily="34" charset="0"/>
-              </a:rPr>
-              <a:t>       </a:t>
+              <a:t>Context management        </a:t>
             </a:r>
             <a:r>
               <a:rPr lang="en-US" sz="3200" dirty="0">
@@ -10628,25 +10316,8 @@
                 <a:latin typeface="Helvetica" panose="020B0604020202020204" pitchFamily="34" charset="0"/>
                 <a:cs typeface="Helvetica" panose="020B0604020202020204" pitchFamily="34" charset="0"/>
               </a:rPr>
-              <a:t>G</a:t>
-            </a:r>
-            <a:r>
-              <a:rPr lang="en-US" sz="3200" dirty="0" smtClean="0">
-                <a:solidFill>
-                  <a:srgbClr val="FF7A00"/>
-                </a:solidFill>
-                <a:latin typeface="Helvetica" panose="020B0604020202020204" pitchFamily="34" charset="0"/>
-                <a:cs typeface="Helvetica" panose="020B0604020202020204" pitchFamily="34" charset="0"/>
-              </a:rPr>
-              <a:t>rammatical processing</a:t>
-            </a:r>
-            <a:endParaRPr lang="en-US" sz="3200" dirty="0">
-              <a:solidFill>
-                <a:srgbClr val="FF7A00"/>
-              </a:solidFill>
-              <a:latin typeface="Helvetica" panose="020B0604020202020204" pitchFamily="34" charset="0"/>
-              <a:cs typeface="Helvetica" panose="020B0604020202020204" pitchFamily="34" charset="0"/>
-            </a:endParaRPr>
+              <a:t>Grammatical processing</a:t>
+            </a:r>
           </a:p>
         </p:txBody>
       </p:sp>
@@ -10861,21 +10532,8 @@
                 <a:ea typeface="Helvetica" charset="0"/>
                 <a:cs typeface="Helvetica" charset="0"/>
               </a:rPr>
-              <a:t>The trouble is identifying how specific changes to the experiment affect specific factors underlying the endorsement </a:t>
-            </a:r>
-            <a:r>
-              <a:rPr lang="en-US" sz="3500" dirty="0" smtClean="0">
-                <a:latin typeface="Helvetica" charset="0"/>
-                <a:ea typeface="Helvetica" charset="0"/>
-                <a:cs typeface="Helvetica" charset="0"/>
-              </a:rPr>
-              <a:t>task.</a:t>
-            </a:r>
-            <a:endParaRPr lang="en-US" sz="3500" dirty="0">
-              <a:latin typeface="Helvetica" charset="0"/>
-              <a:ea typeface="Helvetica" charset="0"/>
-              <a:cs typeface="Helvetica" charset="0"/>
-            </a:endParaRPr>
+              <a:t>The trouble is identifying how specific changes to the experiment affect specific factors underlying the endorsement task.</a:t>
+            </a:r>
           </a:p>
           <a:p>
             <a:endParaRPr lang="en-US" sz="1500" dirty="0">
@@ -10907,21 +10565,8 @@
                 <a:ea typeface="Helvetica" charset="0"/>
                 <a:cs typeface="Helvetica" charset="0"/>
               </a:rPr>
-              <a:t> what they think they </a:t>
-            </a:r>
-            <a:r>
-              <a:rPr lang="en-US" sz="3500" dirty="0" smtClean="0">
-                <a:latin typeface="Helvetica" charset="0"/>
-                <a:ea typeface="Helvetica" charset="0"/>
-                <a:cs typeface="Helvetica" charset="0"/>
-              </a:rPr>
-              <a:t>are.</a:t>
-            </a:r>
-            <a:endParaRPr lang="en-US" sz="3500" dirty="0">
-              <a:latin typeface="Helvetica" charset="0"/>
-              <a:ea typeface="Helvetica" charset="0"/>
-              <a:cs typeface="Helvetica" charset="0"/>
-            </a:endParaRPr>
+              <a:t> what they think they are.</a:t>
+            </a:r>
           </a:p>
         </p:txBody>
       </p:sp>
@@ -11258,20 +10903,12 @@
               <a:t>interpretations </a:t>
             </a:r>
             <a:r>
-              <a:rPr lang="en-US" sz="3200" dirty="0" smtClean="0">
-                <a:latin typeface="Helvetica" charset="0"/>
-                <a:ea typeface="Helvetica" charset="0"/>
-                <a:cs typeface="Helvetica" charset="0"/>
-              </a:rPr>
-              <a:t>lead </a:t>
-            </a:r>
-            <a:r>
-              <a:rPr lang="en-US" sz="3200" dirty="0">
-                <a:latin typeface="Helvetica" charset="0"/>
-                <a:ea typeface="Helvetica" charset="0"/>
-                <a:cs typeface="Helvetica" charset="0"/>
-              </a:rPr>
-              <a:t>to </a:t>
+              <a:rPr lang="en-US" sz="3200" dirty="0">
+                <a:latin typeface="Helvetica" charset="0"/>
+                <a:ea typeface="Helvetica" charset="0"/>
+                <a:cs typeface="Helvetica" charset="0"/>
+              </a:rPr>
+              <a:t>lead to </a:t>
             </a:r>
             <a:r>
               <a:rPr lang="en-US" sz="3200" b="1" dirty="0">
@@ -11866,20 +11503,12 @@
           <a:lstStyle/>
           <a:p>
             <a:r>
-              <a:rPr lang="en-US" sz="3200" dirty="0" smtClean="0">
-                <a:latin typeface="Helvetica" charset="0"/>
-                <a:ea typeface="Helvetica" charset="0"/>
-                <a:cs typeface="Helvetica" charset="0"/>
-              </a:rPr>
-              <a:t>We </a:t>
-            </a:r>
-            <a:r>
-              <a:rPr lang="en-US" sz="3200" dirty="0">
-                <a:latin typeface="Helvetica" charset="0"/>
-                <a:ea typeface="Helvetica" charset="0"/>
-                <a:cs typeface="Helvetica" charset="0"/>
-              </a:rPr>
-              <a:t>find a stronger role for the </a:t>
+              <a:rPr lang="en-US" sz="3200" dirty="0">
+                <a:latin typeface="Helvetica" charset="0"/>
+                <a:ea typeface="Helvetica" charset="0"/>
+                <a:cs typeface="Helvetica" charset="0"/>
+              </a:rPr>
+              <a:t>We find a stronger role for the </a:t>
             </a:r>
             <a:r>
               <a:rPr lang="en-US" sz="3200" dirty="0">
@@ -11898,15 +11527,7 @@
                 <a:ea typeface="Helvetica" charset="0"/>
                 <a:cs typeface="Helvetica" charset="0"/>
               </a:rPr>
-              <a:t> in utterance </a:t>
-            </a:r>
-            <a:r>
-              <a:rPr lang="en-US" sz="3200" dirty="0" smtClean="0">
-                <a:latin typeface="Helvetica" charset="0"/>
-                <a:ea typeface="Helvetica" charset="0"/>
-                <a:cs typeface="Helvetica" charset="0"/>
-              </a:rPr>
-              <a:t>endorsement.</a:t>
+              <a:t> in utterance endorsement.</a:t>
             </a:r>
             <a:endParaRPr lang="en-US" sz="1500" dirty="0">
               <a:latin typeface="Helvetica" charset="0"/>
@@ -11923,20 +11544,12 @@
           </a:p>
           <a:p>
             <a:r>
-              <a:rPr lang="en-US" sz="3200" dirty="0" smtClean="0">
-                <a:latin typeface="Helvetica" charset="0"/>
-                <a:ea typeface="Helvetica" charset="0"/>
-                <a:cs typeface="Helvetica" charset="0"/>
-              </a:rPr>
-              <a:t>We </a:t>
-            </a:r>
-            <a:r>
-              <a:rPr lang="en-US" sz="3200" dirty="0">
-                <a:latin typeface="Helvetica" charset="0"/>
-                <a:ea typeface="Helvetica" charset="0"/>
-                <a:cs typeface="Helvetica" charset="0"/>
-              </a:rPr>
-              <a:t>see this result more clearly in Fig. 3 where </a:t>
+              <a:rPr lang="en-US" sz="3200" dirty="0">
+                <a:latin typeface="Helvetica" charset="0"/>
+                <a:ea typeface="Helvetica" charset="0"/>
+                <a:cs typeface="Helvetica" charset="0"/>
+              </a:rPr>
+              <a:t>We see this result more clearly in Fig. 3 where </a:t>
             </a:r>
             <a:r>
               <a:rPr lang="en-US" sz="3200" dirty="0">
@@ -11974,21 +11587,8 @@
                 <a:ea typeface="Helvetica" charset="0"/>
                 <a:cs typeface="Helvetica" charset="0"/>
               </a:rPr>
-              <a:t> prior </a:t>
-            </a:r>
-            <a:r>
-              <a:rPr lang="en-US" sz="3200" dirty="0" smtClean="0">
-                <a:latin typeface="Helvetica" charset="0"/>
-                <a:ea typeface="Helvetica" charset="0"/>
-                <a:cs typeface="Helvetica" charset="0"/>
-              </a:rPr>
-              <a:t>manipulation.</a:t>
-            </a:r>
-            <a:endParaRPr lang="en-US" sz="3200" dirty="0" smtClean="0">
-              <a:latin typeface="Helvetica" charset="0"/>
-              <a:ea typeface="Helvetica" charset="0"/>
-              <a:cs typeface="Helvetica" charset="0"/>
-            </a:endParaRPr>
+              <a:t> prior manipulation.</a:t>
+            </a:r>
           </a:p>
           <a:p>
             <a:endParaRPr lang="en-US" sz="500" dirty="0">
@@ -11999,38 +11599,21 @@
           </a:p>
           <a:p>
             <a:r>
-              <a:rPr lang="en-US" sz="3200" dirty="0" smtClean="0">
+              <a:rPr lang="en-US" sz="3200" dirty="0">
                 <a:latin typeface="Helvetica" panose="020B0604020202020204" pitchFamily="34" charset="0"/>
                 <a:cs typeface="Helvetica" panose="020B0604020202020204" pitchFamily="34" charset="0"/>
               </a:rPr>
-              <a:t> </a:t>
-            </a:r>
-            <a:r>
-              <a:rPr lang="en-US" sz="3200" dirty="0" smtClean="0">
-                <a:latin typeface="Helvetica" panose="020B0604020202020204" pitchFamily="34" charset="0"/>
-                <a:cs typeface="Helvetica" panose="020B0604020202020204" pitchFamily="34" charset="0"/>
-              </a:rPr>
-              <a:t>- </a:t>
-            </a:r>
-            <a:r>
-              <a:rPr lang="en-US" sz="3200" dirty="0" smtClean="0">
+              <a:t> - </a:t>
+            </a:r>
+            <a:r>
+              <a:rPr lang="en-US" sz="3200" dirty="0">
                 <a:solidFill>
                   <a:srgbClr val="7030A0"/>
                 </a:solidFill>
                 <a:latin typeface="Helvetica" panose="020B0604020202020204" pitchFamily="34" charset="0"/>
                 <a:cs typeface="Helvetica" panose="020B0604020202020204" pitchFamily="34" charset="0"/>
               </a:rPr>
-              <a:t>Context </a:t>
-            </a:r>
-            <a:r>
-              <a:rPr lang="en-US" sz="3200" dirty="0">
-                <a:solidFill>
-                  <a:srgbClr val="7030A0"/>
-                </a:solidFill>
-                <a:latin typeface="Helvetica" panose="020B0604020202020204" pitchFamily="34" charset="0"/>
-                <a:cs typeface="Helvetica" panose="020B0604020202020204" pitchFamily="34" charset="0"/>
-              </a:rPr>
-              <a:t>management </a:t>
+              <a:t>Context management </a:t>
             </a:r>
             <a:endParaRPr lang="en-US" sz="3200" dirty="0">
               <a:latin typeface="Helvetica" panose="020B0604020202020204" pitchFamily="34" charset="0"/>
@@ -12039,38 +11622,21 @@
           </a:p>
           <a:p>
             <a:r>
-              <a:rPr lang="en-US" sz="3200" dirty="0" smtClean="0">
+              <a:rPr lang="en-US" sz="3200" dirty="0">
                 <a:latin typeface="Helvetica" panose="020B0604020202020204" pitchFamily="34" charset="0"/>
                 <a:cs typeface="Helvetica" panose="020B0604020202020204" pitchFamily="34" charset="0"/>
               </a:rPr>
-              <a:t> </a:t>
-            </a:r>
-            <a:r>
-              <a:rPr lang="en-US" sz="3200" dirty="0" smtClean="0">
-                <a:latin typeface="Helvetica" panose="020B0604020202020204" pitchFamily="34" charset="0"/>
-                <a:cs typeface="Helvetica" panose="020B0604020202020204" pitchFamily="34" charset="0"/>
-              </a:rPr>
-              <a:t>- </a:t>
-            </a:r>
-            <a:r>
-              <a:rPr lang="en-US" sz="3200" dirty="0" smtClean="0">
+              <a:t> - </a:t>
+            </a:r>
+            <a:r>
+              <a:rPr lang="en-US" sz="3200" dirty="0">
                 <a:solidFill>
                   <a:srgbClr val="FF7A00"/>
                 </a:solidFill>
                 <a:latin typeface="Helvetica" panose="020B0604020202020204" pitchFamily="34" charset="0"/>
                 <a:cs typeface="Helvetica" panose="020B0604020202020204" pitchFamily="34" charset="0"/>
               </a:rPr>
-              <a:t>Grammatical </a:t>
-            </a:r>
-            <a:r>
-              <a:rPr lang="en-US" sz="3200" dirty="0">
-                <a:solidFill>
-                  <a:srgbClr val="FF7A00"/>
-                </a:solidFill>
-                <a:latin typeface="Helvetica" panose="020B0604020202020204" pitchFamily="34" charset="0"/>
-                <a:cs typeface="Helvetica" panose="020B0604020202020204" pitchFamily="34" charset="0"/>
-              </a:rPr>
-              <a:t>processing </a:t>
+              <a:t>Grammatical processing </a:t>
             </a:r>
             <a:endParaRPr lang="en-US" sz="3200" dirty="0">
               <a:latin typeface="Helvetica" charset="0"/>
@@ -12332,20 +11898,12 @@
               <a:t>inverse scope access </a:t>
             </a:r>
             <a:r>
-              <a:rPr lang="en-US" sz="3200" dirty="0" smtClean="0">
-                <a:latin typeface="Helvetica" charset="0"/>
-                <a:ea typeface="Helvetica" charset="0"/>
-                <a:cs typeface="Helvetica" charset="0"/>
-              </a:rPr>
-              <a:t>using </a:t>
-            </a:r>
-            <a:r>
-              <a:rPr lang="en-US" sz="3200" dirty="0">
-                <a:latin typeface="Helvetica" charset="0"/>
-                <a:ea typeface="Helvetica" charset="0"/>
-                <a:cs typeface="Helvetica" charset="0"/>
-              </a:rPr>
-              <a:t>an early-success story context, which itself shifts </a:t>
+              <a:rPr lang="en-US" sz="3200" dirty="0">
+                <a:latin typeface="Helvetica" charset="0"/>
+                <a:ea typeface="Helvetica" charset="0"/>
+                <a:cs typeface="Helvetica" charset="0"/>
+              </a:rPr>
+              <a:t>using an early-success story context, which itself shifts </a:t>
             </a:r>
             <a:r>
               <a:rPr lang="en-US" sz="3200" dirty="0">
@@ -12512,21 +12070,8 @@
                 <a:ea typeface="Helvetica" charset="0"/>
                 <a:cs typeface="Helvetica" charset="0"/>
               </a:rPr>
-              <a:t>We predict that prior beliefs have an effect on utterance endorsement. Children’s lack of experience likely contributes to their sensitivity in the experimental </a:t>
-            </a:r>
-            <a:r>
-              <a:rPr lang="en-US" sz="3200" dirty="0" smtClean="0">
-                <a:latin typeface="Helvetica" charset="0"/>
-                <a:ea typeface="Helvetica" charset="0"/>
-                <a:cs typeface="Helvetica" charset="0"/>
-              </a:rPr>
-              <a:t>contexts. To do:</a:t>
-            </a:r>
-            <a:endParaRPr lang="en-US" sz="3200" dirty="0">
-              <a:latin typeface="Helvetica" charset="0"/>
-              <a:ea typeface="Helvetica" charset="0"/>
-              <a:cs typeface="Helvetica" charset="0"/>
-            </a:endParaRPr>
+              <a:t>We predict that prior beliefs have an effect on utterance endorsement. Children’s lack of experience likely contributes to their sensitivity in the experimental contexts. To do:</a:t>
+            </a:r>
           </a:p>
           <a:p>
             <a:r>
@@ -12578,15 +12123,7 @@
                 <a:ea typeface="Helvetica" charset="0"/>
                 <a:cs typeface="Helvetica" charset="0"/>
               </a:rPr>
-              <a:t>Computational models of language understanding lead to a clearer picture of the source of non-adult-like behavior and the pragmatic mechanism of ambiguity resolution in </a:t>
-            </a:r>
-            <a:r>
-              <a:rPr lang="en-US" sz="3200" dirty="0" smtClean="0">
-                <a:latin typeface="Helvetica" charset="0"/>
-                <a:ea typeface="Helvetica" charset="0"/>
-                <a:cs typeface="Helvetica" charset="0"/>
-              </a:rPr>
-              <a:t>context.</a:t>
+              <a:t>Computational models of language understanding lead to a clearer picture of the source of non-adult-like behavior and the pragmatic mechanism of ambiguity resolution in context.</a:t>
             </a:r>
             <a:endParaRPr lang="pl-PL" sz="3200" dirty="0">
               <a:latin typeface="Helvetica" charset="0"/>
@@ -13123,23 +12660,7 @@
                 <a:ea typeface="Helvetica" charset="0"/>
                 <a:cs typeface="Helvetica" charset="0"/>
               </a:rPr>
-              <a:t>Children struggle to access </a:t>
-            </a:r>
-            <a:r>
-              <a:rPr lang="en-US" sz="3200" dirty="0" smtClean="0">
-                <a:latin typeface="Helvetica" charset="0"/>
-                <a:ea typeface="Helvetica" charset="0"/>
-                <a:cs typeface="Helvetica" charset="0"/>
-              </a:rPr>
-              <a:t>inverse </a:t>
-            </a:r>
-            <a:r>
-              <a:rPr lang="en-US" sz="3200" dirty="0">
-                <a:latin typeface="Helvetica" charset="0"/>
-                <a:ea typeface="Helvetica" charset="0"/>
-                <a:cs typeface="Helvetica" charset="0"/>
-              </a:rPr>
-              <a:t>scope interpretations</a:t>
+              <a:t>Children struggle to access inverse scope interpretations</a:t>
             </a:r>
           </a:p>
         </p:txBody>
@@ -13359,18 +12880,13 @@
           <a:lstStyle/>
           <a:p>
             <a:r>
-              <a:rPr lang="en-US" sz="3600" b="1" dirty="0" smtClean="0">
+              <a:rPr lang="en-US" sz="3600" b="1" dirty="0">
                 <a:solidFill>
                   <a:srgbClr val="FF7A00"/>
                 </a:solidFill>
               </a:rPr>
               <a:t>?</a:t>
             </a:r>
-            <a:endParaRPr lang="en-US" sz="3600" b="1" dirty="0">
-              <a:solidFill>
-                <a:srgbClr val="FF7A00"/>
-              </a:solidFill>
-            </a:endParaRPr>
           </a:p>
         </p:txBody>
       </p:sp>
@@ -13456,13 +12972,6 @@
   <p:clrMapOvr>
     <a:masterClrMapping/>
   </p:clrMapOvr>
-  <p:timing>
-    <p:tnLst>
-      <p:par>
-        <p:cTn id="1" dur="indefinite" restart="never" nodeType="tmRoot"/>
-      </p:par>
-    </p:tnLst>
-  </p:timing>
 </p:sld>
 </file>
 
